--- a/Ch4.Packet_Analysis.pptx
+++ b/Ch4.Packet_Analysis.pptx
@@ -23,6 +23,27 @@
     <p:sldId id="271" r:id="rId17"/>
     <p:sldId id="272" r:id="rId18"/>
     <p:sldId id="273" r:id="rId19"/>
+    <p:sldId id="274" r:id="rId20"/>
+    <p:sldId id="275" r:id="rId21"/>
+    <p:sldId id="276" r:id="rId22"/>
+    <p:sldId id="277" r:id="rId23"/>
+    <p:sldId id="278" r:id="rId24"/>
+    <p:sldId id="279" r:id="rId25"/>
+    <p:sldId id="280" r:id="rId26"/>
+    <p:sldId id="281" r:id="rId27"/>
+    <p:sldId id="282" r:id="rId28"/>
+    <p:sldId id="283" r:id="rId29"/>
+    <p:sldId id="284" r:id="rId30"/>
+    <p:sldId id="285" r:id="rId31"/>
+    <p:sldId id="286" r:id="rId32"/>
+    <p:sldId id="287" r:id="rId33"/>
+    <p:sldId id="288" r:id="rId34"/>
+    <p:sldId id="289" r:id="rId35"/>
+    <p:sldId id="290" r:id="rId36"/>
+    <p:sldId id="291" r:id="rId37"/>
+    <p:sldId id="292" r:id="rId38"/>
+    <p:sldId id="293" r:id="rId39"/>
+    <p:sldId id="294" r:id="rId40"/>
   </p:sldIdLst>
   <p:sldSz cx="9144000" cy="6858000" type="screen4x3"/>
   <p:notesSz cx="6858000" cy="9144000"/>
@@ -407,7 +428,7 @@
           <a:p>
             <a:fld id="{B01F9CA3-105E-4857-9057-6DB6197DA786}" type="datetimeFigureOut">
               <a:rPr lang="en-US" smtClean="0"/>
-              <a:t>7/22/14</a:t>
+              <a:t>7/23/14</a:t>
             </a:fld>
             <a:endParaRPr lang="en-US"/>
           </a:p>
@@ -599,7 +620,7 @@
           <a:p>
             <a:fld id="{B01F9CA3-105E-4857-9057-6DB6197DA786}" type="datetimeFigureOut">
               <a:rPr lang="en-US" smtClean="0"/>
-              <a:t>7/22/14</a:t>
+              <a:t>7/23/14</a:t>
             </a:fld>
             <a:endParaRPr lang="en-US"/>
           </a:p>
@@ -868,7 +889,7 @@
           <a:p>
             <a:fld id="{B01F9CA3-105E-4857-9057-6DB6197DA786}" type="datetimeFigureOut">
               <a:rPr lang="en-US" smtClean="0"/>
-              <a:t>7/22/14</a:t>
+              <a:t>7/23/14</a:t>
             </a:fld>
             <a:endParaRPr lang="en-US"/>
           </a:p>
@@ -1047,7 +1068,7 @@
           <a:p>
             <a:fld id="{B01F9CA3-105E-4857-9057-6DB6197DA786}" type="datetimeFigureOut">
               <a:rPr lang="en-US" smtClean="0"/>
-              <a:t>7/22/14</a:t>
+              <a:t>7/23/14</a:t>
             </a:fld>
             <a:endParaRPr lang="en-US"/>
           </a:p>
@@ -1216,7 +1237,7 @@
           <a:p>
             <a:fld id="{B01F9CA3-105E-4857-9057-6DB6197DA786}" type="datetimeFigureOut">
               <a:rPr lang="en-US" smtClean="0"/>
-              <a:t>7/22/14</a:t>
+              <a:t>7/23/14</a:t>
             </a:fld>
             <a:endParaRPr lang="en-US"/>
           </a:p>
@@ -1458,7 +1479,7 @@
           <a:p>
             <a:fld id="{B01F9CA3-105E-4857-9057-6DB6197DA786}" type="datetimeFigureOut">
               <a:rPr lang="en-US" smtClean="0"/>
-              <a:t>7/22/14</a:t>
+              <a:t>7/23/14</a:t>
             </a:fld>
             <a:endParaRPr lang="en-US"/>
           </a:p>
@@ -1781,7 +1802,7 @@
           <a:p>
             <a:fld id="{B01F9CA3-105E-4857-9057-6DB6197DA786}" type="datetimeFigureOut">
               <a:rPr lang="en-US" smtClean="0"/>
-              <a:t>7/22/14</a:t>
+              <a:t>7/23/14</a:t>
             </a:fld>
             <a:endParaRPr lang="en-US"/>
           </a:p>
@@ -2079,7 +2100,7 @@
           <a:p>
             <a:fld id="{B01F9CA3-105E-4857-9057-6DB6197DA786}" type="datetimeFigureOut">
               <a:rPr lang="en-US" smtClean="0"/>
-              <a:t>7/22/14</a:t>
+              <a:t>7/23/14</a:t>
             </a:fld>
             <a:endParaRPr lang="en-US"/>
           </a:p>
@@ -2535,7 +2556,7 @@
           <a:p>
             <a:fld id="{B01F9CA3-105E-4857-9057-6DB6197DA786}" type="datetimeFigureOut">
               <a:rPr lang="en-US" smtClean="0"/>
-              <a:t>7/22/14</a:t>
+              <a:t>7/23/14</a:t>
             </a:fld>
             <a:endParaRPr lang="en-US"/>
           </a:p>
@@ -2648,7 +2669,7 @@
           <a:p>
             <a:fld id="{B01F9CA3-105E-4857-9057-6DB6197DA786}" type="datetimeFigureOut">
               <a:rPr lang="en-US" smtClean="0"/>
-              <a:t>7/22/14</a:t>
+              <a:t>7/23/14</a:t>
             </a:fld>
             <a:endParaRPr lang="en-US"/>
           </a:p>
@@ -2738,7 +2759,7 @@
           <a:p>
             <a:fld id="{B01F9CA3-105E-4857-9057-6DB6197DA786}" type="datetimeFigureOut">
               <a:rPr lang="en-US" smtClean="0"/>
-              <a:t>7/22/14</a:t>
+              <a:t>7/23/14</a:t>
             </a:fld>
             <a:endParaRPr lang="en-US"/>
           </a:p>
@@ -3020,7 +3041,7 @@
           <a:p>
             <a:fld id="{B01F9CA3-105E-4857-9057-6DB6197DA786}" type="datetimeFigureOut">
               <a:rPr lang="en-US" smtClean="0"/>
-              <a:t>7/22/14</a:t>
+              <a:t>7/23/14</a:t>
             </a:fld>
             <a:endParaRPr lang="en-US"/>
           </a:p>
@@ -3226,7 +3247,7 @@
           <a:p>
             <a:fld id="{B01F9CA3-105E-4857-9057-6DB6197DA786}" type="datetimeFigureOut">
               <a:rPr lang="en-US" smtClean="0"/>
-              <a:t>7/22/14</a:t>
+              <a:t>7/23/14</a:t>
             </a:fld>
             <a:endParaRPr lang="en-US"/>
           </a:p>
@@ -5013,25 +5034,177 @@
             <p:ph idx="1"/>
           </p:nvPr>
         </p:nvSpPr>
-        <p:spPr/>
+        <p:spPr>
+          <a:xfrm>
+            <a:off x="549275" y="1600201"/>
+            <a:ext cx="8042276" cy="2418925"/>
+          </a:xfrm>
+        </p:spPr>
         <p:txBody>
           <a:bodyPr>
-            <a:normAutofit/>
+            <a:normAutofit fontScale="92500" lnSpcReduction="10000"/>
           </a:bodyPr>
           <a:lstStyle/>
           <a:p>
             <a:r>
-              <a:rPr lang="en-US" smtClean="0"/>
-              <a:t>Protocol Decoding:</a:t>
+              <a:rPr lang="en-US" dirty="0" smtClean="0"/>
+              <a:t>Protocol Decoding</a:t>
+            </a:r>
+            <a:r>
+              <a:rPr lang="en-US" dirty="0" smtClean="0"/>
+              <a:t>:</a:t>
+            </a:r>
+          </a:p>
+          <a:p>
+            <a:pPr lvl="1"/>
+            <a:r>
+              <a:rPr lang="en-US" dirty="0" smtClean="0"/>
+              <a:t>Technique of interpreting data in a frame according to a specific known structure</a:t>
+            </a:r>
+          </a:p>
+          <a:p>
+            <a:pPr lvl="1"/>
+            <a:r>
+              <a:rPr lang="en-US" dirty="0"/>
+              <a:t> Leverage publicly available automated decoders and </a:t>
+            </a:r>
+            <a:r>
+              <a:rPr lang="en-US" dirty="0" smtClean="0"/>
+              <a:t>tools</a:t>
+            </a:r>
+          </a:p>
+          <a:p>
+            <a:pPr lvl="1"/>
+            <a:r>
+              <a:rPr lang="en-US" dirty="0" smtClean="0"/>
+              <a:t>Refer </a:t>
+            </a:r>
+            <a:r>
+              <a:rPr lang="en-US" dirty="0"/>
+              <a:t>to publicly available documentation and manually decode the </a:t>
+            </a:r>
+            <a:r>
+              <a:rPr lang="en-US" dirty="0" smtClean="0"/>
+              <a:t>traﬃc</a:t>
+            </a:r>
+          </a:p>
+          <a:p>
+            <a:pPr lvl="1"/>
+            <a:r>
+              <a:rPr lang="en-US" dirty="0" smtClean="0"/>
+              <a:t> </a:t>
+            </a:r>
+            <a:r>
+              <a:rPr lang="en-US" dirty="0"/>
+              <a:t>Write your own decoder</a:t>
             </a:r>
             <a:endParaRPr lang="en-US" dirty="0" smtClean="0"/>
           </a:p>
         </p:txBody>
       </p:sp>
+      <p:pic>
+        <p:nvPicPr>
+          <p:cNvPr id="4" name="Picture 3"/>
+          <p:cNvPicPr>
+            <a:picLocks noChangeAspect="1"/>
+          </p:cNvPicPr>
+          <p:nvPr/>
+        </p:nvPicPr>
+        <p:blipFill>
+          <a:blip r:embed="rId2"/>
+          <a:stretch>
+            <a:fillRect/>
+          </a:stretch>
+        </p:blipFill>
+        <p:spPr>
+          <a:xfrm>
+            <a:off x="1604247" y="4019126"/>
+            <a:ext cx="5668131" cy="2597893"/>
+          </a:xfrm>
+          <a:prstGeom prst="rect">
+            <a:avLst/>
+          </a:prstGeom>
+        </p:spPr>
+      </p:pic>
     </p:spTree>
     <p:extLst>
       <p:ext uri="{BB962C8B-B14F-4D97-AF65-F5344CB8AC3E}">
         <p14:creationId xmlns:p14="http://schemas.microsoft.com/office/powerpoint/2010/main" val="2256058508"/>
+      </p:ext>
+    </p:extLst>
+  </p:cSld>
+  <p:clrMapOvr>
+    <a:masterClrMapping/>
+  </p:clrMapOvr>
+</p:sld>
+</file>
+
+<file path=ppt/slides/slide19.xml><?xml version="1.0" encoding="utf-8"?>
+<p:sld xmlns:a="http://schemas.openxmlformats.org/drawingml/2006/main" xmlns:r="http://schemas.openxmlformats.org/officeDocument/2006/relationships" xmlns:p="http://schemas.openxmlformats.org/presentationml/2006/main">
+  <p:cSld>
+    <p:spTree>
+      <p:nvGrpSpPr>
+        <p:cNvPr id="1" name=""/>
+        <p:cNvGrpSpPr/>
+        <p:nvPr/>
+      </p:nvGrpSpPr>
+      <p:grpSpPr>
+        <a:xfrm>
+          <a:off x="0" y="0"/>
+          <a:ext cx="0" cy="0"/>
+          <a:chOff x="0" y="0"/>
+          <a:chExt cx="0" cy="0"/>
+        </a:xfrm>
+      </p:grpSpPr>
+      <p:sp>
+        <p:nvSpPr>
+          <p:cNvPr id="2" name="Title 1"/>
+          <p:cNvSpPr>
+            <a:spLocks noGrp="1"/>
+          </p:cNvSpPr>
+          <p:nvPr>
+            <p:ph type="title"/>
+          </p:nvPr>
+        </p:nvSpPr>
+        <p:spPr/>
+        <p:txBody>
+          <a:bodyPr/>
+          <a:lstStyle/>
+          <a:p>
+            <a:r>
+              <a:rPr lang="en-US" dirty="0" smtClean="0"/>
+              <a:t>Protocol Analysis</a:t>
+            </a:r>
+            <a:endParaRPr lang="en-US" dirty="0"/>
+          </a:p>
+        </p:txBody>
+      </p:sp>
+      <p:pic>
+        <p:nvPicPr>
+          <p:cNvPr id="4" name="Content Placeholder 3"/>
+          <p:cNvPicPr>
+            <a:picLocks noGrp="1" noChangeAspect="1"/>
+          </p:cNvPicPr>
+          <p:nvPr>
+            <p:ph idx="1"/>
+          </p:nvPr>
+        </p:nvPicPr>
+        <p:blipFill rotWithShape="1">
+          <a:blip r:embed="rId2"/>
+          <a:srcRect t="283" r="-591" b="-584"/>
+          <a:stretch/>
+        </p:blipFill>
+        <p:spPr>
+          <a:xfrm>
+            <a:off x="1493441" y="1444531"/>
+            <a:ext cx="6657701" cy="5047903"/>
+          </a:xfrm>
+        </p:spPr>
+      </p:pic>
+    </p:spTree>
+    <p:extLst>
+      <p:ext uri="{BB962C8B-B14F-4D97-AF65-F5344CB8AC3E}">
+        <p14:creationId xmlns:p14="http://schemas.microsoft.com/office/powerpoint/2010/main" val="2759692407"/>
       </p:ext>
     </p:extLst>
   </p:cSld>
@@ -5137,6 +5310,1393 @@
 </p:sld>
 </file>
 
+<file path=ppt/slides/slide20.xml><?xml version="1.0" encoding="utf-8"?>
+<p:sld xmlns:a="http://schemas.openxmlformats.org/drawingml/2006/main" xmlns:r="http://schemas.openxmlformats.org/officeDocument/2006/relationships" xmlns:p="http://schemas.openxmlformats.org/presentationml/2006/main">
+  <p:cSld>
+    <p:spTree>
+      <p:nvGrpSpPr>
+        <p:cNvPr id="1" name=""/>
+        <p:cNvGrpSpPr/>
+        <p:nvPr/>
+      </p:nvGrpSpPr>
+      <p:grpSpPr>
+        <a:xfrm>
+          <a:off x="0" y="0"/>
+          <a:ext cx="0" cy="0"/>
+          <a:chOff x="0" y="0"/>
+          <a:chExt cx="0" cy="0"/>
+        </a:xfrm>
+      </p:grpSpPr>
+      <p:sp>
+        <p:nvSpPr>
+          <p:cNvPr id="2" name="Title 1"/>
+          <p:cNvSpPr>
+            <a:spLocks noGrp="1"/>
+          </p:cNvSpPr>
+          <p:nvPr>
+            <p:ph type="title"/>
+          </p:nvPr>
+        </p:nvSpPr>
+        <p:spPr/>
+        <p:txBody>
+          <a:bodyPr/>
+          <a:lstStyle/>
+          <a:p>
+            <a:r>
+              <a:rPr lang="en-US" dirty="0" smtClean="0"/>
+              <a:t>Protocol Analysis</a:t>
+            </a:r>
+            <a:endParaRPr lang="en-US" dirty="0"/>
+          </a:p>
+        </p:txBody>
+      </p:sp>
+      <p:sp>
+        <p:nvSpPr>
+          <p:cNvPr id="3" name="Content Placeholder 2"/>
+          <p:cNvSpPr>
+            <a:spLocks noGrp="1"/>
+          </p:cNvSpPr>
+          <p:nvPr>
+            <p:ph idx="1"/>
+          </p:nvPr>
+        </p:nvSpPr>
+        <p:spPr/>
+        <p:txBody>
+          <a:bodyPr/>
+          <a:lstStyle/>
+          <a:p>
+            <a:r>
+              <a:rPr lang="en-US" dirty="0" smtClean="0"/>
+              <a:t>Exporting fields:</a:t>
+            </a:r>
+          </a:p>
+          <a:p>
+            <a:pPr lvl="1"/>
+            <a:r>
+              <a:rPr lang="en-US" dirty="0"/>
+              <a:t>Once you have identiﬁed the protocol in use and determined your method for decoding it</a:t>
+            </a:r>
+            <a:r>
+              <a:rPr lang="en-US" dirty="0" smtClean="0"/>
+              <a:t>, the </a:t>
+            </a:r>
+            <a:r>
+              <a:rPr lang="en-US" dirty="0"/>
+              <a:t>next step is to extract the values of speciﬁc ﬁelds of interest. </a:t>
+            </a:r>
+          </a:p>
+        </p:txBody>
+      </p:sp>
+      <p:pic>
+        <p:nvPicPr>
+          <p:cNvPr id="4" name="Picture 3" descr="getfile.jpg"/>
+          <p:cNvPicPr>
+            <a:picLocks noChangeAspect="1"/>
+          </p:cNvPicPr>
+          <p:nvPr/>
+        </p:nvPicPr>
+        <p:blipFill>
+          <a:blip r:embed="rId2">
+            <a:extLst>
+              <a:ext uri="{28A0092B-C50C-407E-A947-70E740481C1C}">
+                <a14:useLocalDpi xmlns:a14="http://schemas.microsoft.com/office/drawing/2010/main" val="0"/>
+              </a:ext>
+            </a:extLst>
+          </a:blip>
+          <a:stretch>
+            <a:fillRect/>
+          </a:stretch>
+        </p:blipFill>
+        <p:spPr>
+          <a:xfrm>
+            <a:off x="2381303" y="3719242"/>
+            <a:ext cx="5081607" cy="2779578"/>
+          </a:xfrm>
+          <a:prstGeom prst="rect">
+            <a:avLst/>
+          </a:prstGeom>
+        </p:spPr>
+      </p:pic>
+    </p:spTree>
+    <p:extLst>
+      <p:ext uri="{BB962C8B-B14F-4D97-AF65-F5344CB8AC3E}">
+        <p14:creationId xmlns:p14="http://schemas.microsoft.com/office/powerpoint/2010/main" val="807249554"/>
+      </p:ext>
+    </p:extLst>
+  </p:cSld>
+  <p:clrMapOvr>
+    <a:masterClrMapping/>
+  </p:clrMapOvr>
+</p:sld>
+</file>
+
+<file path=ppt/slides/slide21.xml><?xml version="1.0" encoding="utf-8"?>
+<p:sld xmlns:a="http://schemas.openxmlformats.org/drawingml/2006/main" xmlns:r="http://schemas.openxmlformats.org/officeDocument/2006/relationships" xmlns:p="http://schemas.openxmlformats.org/presentationml/2006/main">
+  <p:cSld>
+    <p:spTree>
+      <p:nvGrpSpPr>
+        <p:cNvPr id="1" name=""/>
+        <p:cNvGrpSpPr/>
+        <p:nvPr/>
+      </p:nvGrpSpPr>
+      <p:grpSpPr>
+        <a:xfrm>
+          <a:off x="0" y="0"/>
+          <a:ext cx="0" cy="0"/>
+          <a:chOff x="0" y="0"/>
+          <a:chExt cx="0" cy="0"/>
+        </a:xfrm>
+      </p:grpSpPr>
+      <p:sp>
+        <p:nvSpPr>
+          <p:cNvPr id="2" name="Title 1"/>
+          <p:cNvSpPr>
+            <a:spLocks noGrp="1"/>
+          </p:cNvSpPr>
+          <p:nvPr>
+            <p:ph type="title"/>
+          </p:nvPr>
+        </p:nvSpPr>
+        <p:spPr/>
+        <p:txBody>
+          <a:bodyPr/>
+          <a:lstStyle/>
+          <a:p>
+            <a:r>
+              <a:rPr lang="en-US" dirty="0" smtClean="0"/>
+              <a:t>Packet Analysis</a:t>
+            </a:r>
+            <a:endParaRPr lang="en-US" dirty="0"/>
+          </a:p>
+        </p:txBody>
+      </p:sp>
+      <p:sp>
+        <p:nvSpPr>
+          <p:cNvPr id="3" name="Content Placeholder 2"/>
+          <p:cNvSpPr>
+            <a:spLocks noGrp="1"/>
+          </p:cNvSpPr>
+          <p:nvPr>
+            <p:ph idx="1"/>
+          </p:nvPr>
+        </p:nvSpPr>
+        <p:spPr/>
+        <p:txBody>
+          <a:bodyPr>
+            <a:normAutofit/>
+          </a:bodyPr>
+          <a:lstStyle/>
+          <a:p>
+            <a:r>
+              <a:rPr lang="en-US" dirty="0"/>
+              <a:t>Packet analysis refers to the art and science of inspecting the protocols within a set </a:t>
+            </a:r>
+            <a:r>
+              <a:rPr lang="en-US" dirty="0" smtClean="0"/>
+              <a:t>of packets.</a:t>
+            </a:r>
+          </a:p>
+          <a:p>
+            <a:r>
+              <a:rPr lang="en-US" dirty="0"/>
+              <a:t>To identify packets of interest, investigators generally use ﬁltering techniques to </a:t>
+            </a:r>
+            <a:r>
+              <a:rPr lang="en-US" dirty="0" smtClean="0"/>
+              <a:t>isolate packets </a:t>
+            </a:r>
+            <a:r>
+              <a:rPr lang="en-US" dirty="0"/>
+              <a:t>based on protocol ﬁelds or their contents.</a:t>
+            </a:r>
+            <a:endParaRPr lang="en-US" dirty="0" smtClean="0"/>
+          </a:p>
+          <a:p>
+            <a:r>
+              <a:rPr lang="en-US" i="1" dirty="0" smtClean="0"/>
+              <a:t>“Examination </a:t>
+            </a:r>
+            <a:r>
+              <a:rPr lang="en-US" i="1" dirty="0"/>
+              <a:t>of contents and/or metadata of one or more packets. </a:t>
+            </a:r>
+            <a:r>
+              <a:rPr lang="en-US" i="1" dirty="0" smtClean="0"/>
+              <a:t>Packet analysis </a:t>
+            </a:r>
+            <a:r>
+              <a:rPr lang="en-US" i="1" dirty="0"/>
+              <a:t>is typically conducted in order to identify packets of interest and develop a </a:t>
+            </a:r>
+            <a:r>
+              <a:rPr lang="en-US" i="1" dirty="0" smtClean="0"/>
+              <a:t>strategy for </a:t>
+            </a:r>
+            <a:r>
+              <a:rPr lang="en-US" i="1" dirty="0"/>
+              <a:t>ﬂow analysis and content reconstruction</a:t>
+            </a:r>
+            <a:r>
+              <a:rPr lang="en-US" i="1" dirty="0" smtClean="0"/>
+              <a:t>.”</a:t>
+            </a:r>
+            <a:endParaRPr lang="en-US" i="1" dirty="0"/>
+          </a:p>
+        </p:txBody>
+      </p:sp>
+    </p:spTree>
+    <p:extLst>
+      <p:ext uri="{BB962C8B-B14F-4D97-AF65-F5344CB8AC3E}">
+        <p14:creationId xmlns:p14="http://schemas.microsoft.com/office/powerpoint/2010/main" val="2166022414"/>
+      </p:ext>
+    </p:extLst>
+  </p:cSld>
+  <p:clrMapOvr>
+    <a:masterClrMapping/>
+  </p:clrMapOvr>
+</p:sld>
+</file>
+
+<file path=ppt/slides/slide22.xml><?xml version="1.0" encoding="utf-8"?>
+<p:sld xmlns:a="http://schemas.openxmlformats.org/drawingml/2006/main" xmlns:r="http://schemas.openxmlformats.org/officeDocument/2006/relationships" xmlns:p="http://schemas.openxmlformats.org/presentationml/2006/main">
+  <p:cSld>
+    <p:spTree>
+      <p:nvGrpSpPr>
+        <p:cNvPr id="1" name=""/>
+        <p:cNvGrpSpPr/>
+        <p:nvPr/>
+      </p:nvGrpSpPr>
+      <p:grpSpPr>
+        <a:xfrm>
+          <a:off x="0" y="0"/>
+          <a:ext cx="0" cy="0"/>
+          <a:chOff x="0" y="0"/>
+          <a:chExt cx="0" cy="0"/>
+        </a:xfrm>
+      </p:grpSpPr>
+      <p:sp>
+        <p:nvSpPr>
+          <p:cNvPr id="2" name="Title 1"/>
+          <p:cNvSpPr>
+            <a:spLocks noGrp="1"/>
+          </p:cNvSpPr>
+          <p:nvPr>
+            <p:ph type="title"/>
+          </p:nvPr>
+        </p:nvSpPr>
+        <p:spPr/>
+        <p:txBody>
+          <a:bodyPr/>
+          <a:lstStyle/>
+          <a:p>
+            <a:r>
+              <a:rPr lang="en-US" dirty="0" smtClean="0"/>
+              <a:t>Packet Analysis</a:t>
+            </a:r>
+            <a:endParaRPr lang="en-US" dirty="0"/>
+          </a:p>
+        </p:txBody>
+      </p:sp>
+      <p:sp>
+        <p:nvSpPr>
+          <p:cNvPr id="3" name="Content Placeholder 2"/>
+          <p:cNvSpPr>
+            <a:spLocks noGrp="1"/>
+          </p:cNvSpPr>
+          <p:nvPr>
+            <p:ph idx="1"/>
+          </p:nvPr>
+        </p:nvSpPr>
+        <p:spPr>
+          <a:xfrm>
+            <a:off x="549275" y="1600200"/>
+            <a:ext cx="4037869" cy="5067705"/>
+          </a:xfrm>
+        </p:spPr>
+        <p:txBody>
+          <a:bodyPr/>
+          <a:lstStyle/>
+          <a:p>
+            <a:r>
+              <a:rPr lang="en-US" dirty="0" smtClean="0"/>
+              <a:t>Tools:</a:t>
+            </a:r>
+          </a:p>
+          <a:p>
+            <a:pPr lvl="1"/>
+            <a:r>
+              <a:rPr lang="en-US" dirty="0" err="1" smtClean="0"/>
+              <a:t>Wireshark</a:t>
+            </a:r>
+            <a:r>
+              <a:rPr lang="en-US" dirty="0" smtClean="0"/>
+              <a:t> filters:</a:t>
+            </a:r>
+          </a:p>
+          <a:p>
+            <a:pPr lvl="1"/>
+            <a:r>
+              <a:rPr lang="ro-RO" dirty="0"/>
+              <a:t>$  tshark  -r  capturefile.pcap  -R  "ip.src==192.168.1.158  &amp;&amp;  ip.dst==10.1.1.10"</a:t>
+            </a:r>
+            <a:endParaRPr lang="en-US" dirty="0" smtClean="0"/>
+          </a:p>
+          <a:p>
+            <a:pPr lvl="1"/>
+            <a:endParaRPr lang="en-US" dirty="0"/>
+          </a:p>
+        </p:txBody>
+      </p:sp>
+      <p:pic>
+        <p:nvPicPr>
+          <p:cNvPr id="4" name="Picture 3" descr="getfile.jpg"/>
+          <p:cNvPicPr>
+            <a:picLocks noChangeAspect="1"/>
+          </p:cNvPicPr>
+          <p:nvPr/>
+        </p:nvPicPr>
+        <p:blipFill>
+          <a:blip r:embed="rId2">
+            <a:extLst>
+              <a:ext uri="{28A0092B-C50C-407E-A947-70E740481C1C}">
+                <a14:useLocalDpi xmlns:a14="http://schemas.microsoft.com/office/drawing/2010/main" val="0"/>
+              </a:ext>
+            </a:extLst>
+          </a:blip>
+          <a:stretch>
+            <a:fillRect/>
+          </a:stretch>
+        </p:blipFill>
+        <p:spPr>
+          <a:xfrm>
+            <a:off x="4729186" y="1758960"/>
+            <a:ext cx="4281440" cy="4457733"/>
+          </a:xfrm>
+          <a:prstGeom prst="rect">
+            <a:avLst/>
+          </a:prstGeom>
+        </p:spPr>
+      </p:pic>
+    </p:spTree>
+    <p:extLst>
+      <p:ext uri="{BB962C8B-B14F-4D97-AF65-F5344CB8AC3E}">
+        <p14:creationId xmlns:p14="http://schemas.microsoft.com/office/powerpoint/2010/main" val="3160839452"/>
+      </p:ext>
+    </p:extLst>
+  </p:cSld>
+  <p:clrMapOvr>
+    <a:masterClrMapping/>
+  </p:clrMapOvr>
+</p:sld>
+</file>
+
+<file path=ppt/slides/slide23.xml><?xml version="1.0" encoding="utf-8"?>
+<p:sld xmlns:a="http://schemas.openxmlformats.org/drawingml/2006/main" xmlns:r="http://schemas.openxmlformats.org/officeDocument/2006/relationships" xmlns:p="http://schemas.openxmlformats.org/presentationml/2006/main">
+  <p:cSld>
+    <p:spTree>
+      <p:nvGrpSpPr>
+        <p:cNvPr id="1" name=""/>
+        <p:cNvGrpSpPr/>
+        <p:nvPr/>
+      </p:nvGrpSpPr>
+      <p:grpSpPr>
+        <a:xfrm>
+          <a:off x="0" y="0"/>
+          <a:ext cx="0" cy="0"/>
+          <a:chOff x="0" y="0"/>
+          <a:chExt cx="0" cy="0"/>
+        </a:xfrm>
+      </p:grpSpPr>
+      <p:sp>
+        <p:nvSpPr>
+          <p:cNvPr id="2" name="Title 1"/>
+          <p:cNvSpPr>
+            <a:spLocks noGrp="1"/>
+          </p:cNvSpPr>
+          <p:nvPr>
+            <p:ph type="title"/>
+          </p:nvPr>
+        </p:nvSpPr>
+        <p:spPr/>
+        <p:txBody>
+          <a:bodyPr/>
+          <a:lstStyle/>
+          <a:p>
+            <a:r>
+              <a:rPr lang="en-US" dirty="0" smtClean="0"/>
+              <a:t>Packet Analysis</a:t>
+            </a:r>
+            <a:endParaRPr lang="en-US" dirty="0"/>
+          </a:p>
+        </p:txBody>
+      </p:sp>
+      <p:sp>
+        <p:nvSpPr>
+          <p:cNvPr id="3" name="Content Placeholder 2"/>
+          <p:cNvSpPr>
+            <a:spLocks noGrp="1"/>
+          </p:cNvSpPr>
+          <p:nvPr>
+            <p:ph idx="1"/>
+          </p:nvPr>
+        </p:nvSpPr>
+        <p:spPr/>
+        <p:txBody>
+          <a:bodyPr/>
+          <a:lstStyle/>
+          <a:p>
+            <a:r>
+              <a:rPr lang="en-US" dirty="0" smtClean="0"/>
+              <a:t>Tools:</a:t>
+            </a:r>
+          </a:p>
+          <a:p>
+            <a:pPr lvl="1"/>
+            <a:r>
+              <a:rPr lang="en-US" dirty="0" err="1" smtClean="0"/>
+              <a:t>Ngrep</a:t>
+            </a:r>
+            <a:r>
+              <a:rPr lang="en-US" dirty="0" smtClean="0"/>
+              <a:t>:</a:t>
+            </a:r>
+          </a:p>
+          <a:p>
+            <a:pPr lvl="2"/>
+            <a:r>
+              <a:rPr lang="en-US" dirty="0" err="1" smtClean="0"/>
+              <a:t>Libpcap</a:t>
+            </a:r>
+            <a:r>
+              <a:rPr lang="en-US" dirty="0" smtClean="0"/>
+              <a:t> based tool.</a:t>
+            </a:r>
+          </a:p>
+          <a:p>
+            <a:pPr lvl="2"/>
+            <a:r>
+              <a:rPr lang="en-US" dirty="0"/>
+              <a:t>$  </a:t>
+            </a:r>
+            <a:r>
+              <a:rPr lang="en-US" dirty="0" err="1"/>
+              <a:t>ngrep</a:t>
+            </a:r>
+            <a:r>
+              <a:rPr lang="en-US" dirty="0"/>
+              <a:t>  -I  </a:t>
+            </a:r>
+            <a:r>
+              <a:rPr lang="en-US" dirty="0" err="1"/>
+              <a:t>capturefile.pcap</a:t>
+            </a:r>
+            <a:r>
+              <a:rPr lang="en-US" dirty="0"/>
+              <a:t>  "string  to  search  </a:t>
+            </a:r>
+            <a:r>
+              <a:rPr lang="en-US" dirty="0" smtClean="0"/>
+              <a:t>for”</a:t>
+            </a:r>
+          </a:p>
+          <a:p>
+            <a:pPr lvl="2"/>
+            <a:r>
+              <a:rPr lang="en-US" dirty="0"/>
+              <a:t>$  </a:t>
+            </a:r>
+            <a:r>
+              <a:rPr lang="en-US" dirty="0" err="1"/>
+              <a:t>ngrep</a:t>
+            </a:r>
+            <a:r>
+              <a:rPr lang="en-US" dirty="0"/>
+              <a:t>  -I  </a:t>
+            </a:r>
+            <a:r>
+              <a:rPr lang="en-US" dirty="0" err="1"/>
+              <a:t>capturefile.pcap</a:t>
+            </a:r>
+            <a:r>
+              <a:rPr lang="en-US" dirty="0"/>
+              <a:t>  "string  to  search  for"  '</a:t>
+            </a:r>
+            <a:r>
+              <a:rPr lang="en-US" dirty="0" err="1"/>
+              <a:t>src</a:t>
+            </a:r>
+            <a:r>
+              <a:rPr lang="en-US" dirty="0"/>
+              <a:t>  host  192.168.1.20  </a:t>
+            </a:r>
+            <a:r>
+              <a:rPr lang="en-US" dirty="0" smtClean="0"/>
+              <a:t>and </a:t>
+            </a:r>
+            <a:r>
+              <a:rPr lang="en-US" dirty="0" err="1" smtClean="0"/>
+              <a:t>dst</a:t>
+            </a:r>
+            <a:r>
+              <a:rPr lang="en-US" dirty="0" smtClean="0"/>
+              <a:t>  </a:t>
+            </a:r>
+            <a:r>
+              <a:rPr lang="en-US" dirty="0"/>
+              <a:t>port  80'</a:t>
+            </a:r>
+            <a:endParaRPr lang="en-US" dirty="0" smtClean="0"/>
+          </a:p>
+          <a:p>
+            <a:pPr lvl="2"/>
+            <a:endParaRPr lang="en-US" dirty="0"/>
+          </a:p>
+        </p:txBody>
+      </p:sp>
+    </p:spTree>
+    <p:extLst>
+      <p:ext uri="{BB962C8B-B14F-4D97-AF65-F5344CB8AC3E}">
+        <p14:creationId xmlns:p14="http://schemas.microsoft.com/office/powerpoint/2010/main" val="3305884100"/>
+      </p:ext>
+    </p:extLst>
+  </p:cSld>
+  <p:clrMapOvr>
+    <a:masterClrMapping/>
+  </p:clrMapOvr>
+</p:sld>
+</file>
+
+<file path=ppt/slides/slide24.xml><?xml version="1.0" encoding="utf-8"?>
+<p:sld xmlns:a="http://schemas.openxmlformats.org/drawingml/2006/main" xmlns:r="http://schemas.openxmlformats.org/officeDocument/2006/relationships" xmlns:p="http://schemas.openxmlformats.org/presentationml/2006/main">
+  <p:cSld>
+    <p:spTree>
+      <p:nvGrpSpPr>
+        <p:cNvPr id="1" name=""/>
+        <p:cNvGrpSpPr/>
+        <p:nvPr/>
+      </p:nvGrpSpPr>
+      <p:grpSpPr>
+        <a:xfrm>
+          <a:off x="0" y="0"/>
+          <a:ext cx="0" cy="0"/>
+          <a:chOff x="0" y="0"/>
+          <a:chExt cx="0" cy="0"/>
+        </a:xfrm>
+      </p:grpSpPr>
+      <p:sp>
+        <p:nvSpPr>
+          <p:cNvPr id="2" name="Title 1"/>
+          <p:cNvSpPr>
+            <a:spLocks noGrp="1"/>
+          </p:cNvSpPr>
+          <p:nvPr>
+            <p:ph type="title"/>
+          </p:nvPr>
+        </p:nvSpPr>
+        <p:spPr/>
+        <p:txBody>
+          <a:bodyPr/>
+          <a:lstStyle/>
+          <a:p>
+            <a:r>
+              <a:rPr lang="en-US" dirty="0" smtClean="0"/>
+              <a:t>Packet Analysis</a:t>
+            </a:r>
+            <a:endParaRPr lang="en-US" dirty="0"/>
+          </a:p>
+        </p:txBody>
+      </p:sp>
+      <p:sp>
+        <p:nvSpPr>
+          <p:cNvPr id="3" name="Content Placeholder 2"/>
+          <p:cNvSpPr>
+            <a:spLocks noGrp="1"/>
+          </p:cNvSpPr>
+          <p:nvPr>
+            <p:ph idx="1"/>
+          </p:nvPr>
+        </p:nvSpPr>
+        <p:spPr/>
+        <p:txBody>
+          <a:bodyPr/>
+          <a:lstStyle/>
+          <a:p>
+            <a:r>
+              <a:rPr lang="en-US" dirty="0" smtClean="0"/>
+              <a:t>Tools:</a:t>
+            </a:r>
+          </a:p>
+          <a:p>
+            <a:pPr lvl="1"/>
+            <a:r>
+              <a:rPr lang="en-US" dirty="0" smtClean="0"/>
+              <a:t>Hex Editors:</a:t>
+            </a:r>
+          </a:p>
+          <a:p>
+            <a:pPr lvl="2"/>
+            <a:r>
+              <a:rPr lang="en-US" dirty="0" smtClean="0"/>
+              <a:t>Bless</a:t>
+            </a:r>
+          </a:p>
+          <a:p>
+            <a:pPr lvl="1"/>
+            <a:endParaRPr lang="en-US" dirty="0"/>
+          </a:p>
+        </p:txBody>
+      </p:sp>
+      <p:pic>
+        <p:nvPicPr>
+          <p:cNvPr id="4" name="Picture 3" descr="getfile.jpg"/>
+          <p:cNvPicPr>
+            <a:picLocks noChangeAspect="1"/>
+          </p:cNvPicPr>
+          <p:nvPr/>
+        </p:nvPicPr>
+        <p:blipFill>
+          <a:blip r:embed="rId2">
+            <a:extLst>
+              <a:ext uri="{28A0092B-C50C-407E-A947-70E740481C1C}">
+                <a14:useLocalDpi xmlns:a14="http://schemas.microsoft.com/office/drawing/2010/main" val="0"/>
+              </a:ext>
+            </a:extLst>
+          </a:blip>
+          <a:stretch>
+            <a:fillRect/>
+          </a:stretch>
+        </p:blipFill>
+        <p:spPr>
+          <a:xfrm>
+            <a:off x="3101571" y="1671154"/>
+            <a:ext cx="5968819" cy="4487050"/>
+          </a:xfrm>
+          <a:prstGeom prst="rect">
+            <a:avLst/>
+          </a:prstGeom>
+        </p:spPr>
+      </p:pic>
+    </p:spTree>
+    <p:extLst>
+      <p:ext uri="{BB962C8B-B14F-4D97-AF65-F5344CB8AC3E}">
+        <p14:creationId xmlns:p14="http://schemas.microsoft.com/office/powerpoint/2010/main" val="4113687694"/>
+      </p:ext>
+    </p:extLst>
+  </p:cSld>
+  <p:clrMapOvr>
+    <a:masterClrMapping/>
+  </p:clrMapOvr>
+</p:sld>
+</file>
+
+<file path=ppt/slides/slide25.xml><?xml version="1.0" encoding="utf-8"?>
+<p:sld xmlns:a="http://schemas.openxmlformats.org/drawingml/2006/main" xmlns:r="http://schemas.openxmlformats.org/officeDocument/2006/relationships" xmlns:p="http://schemas.openxmlformats.org/presentationml/2006/main">
+  <p:cSld>
+    <p:spTree>
+      <p:nvGrpSpPr>
+        <p:cNvPr id="1" name=""/>
+        <p:cNvGrpSpPr/>
+        <p:nvPr/>
+      </p:nvGrpSpPr>
+      <p:grpSpPr>
+        <a:xfrm>
+          <a:off x="0" y="0"/>
+          <a:ext cx="0" cy="0"/>
+          <a:chOff x="0" y="0"/>
+          <a:chExt cx="0" cy="0"/>
+        </a:xfrm>
+      </p:grpSpPr>
+      <p:sp>
+        <p:nvSpPr>
+          <p:cNvPr id="2" name="Title 1"/>
+          <p:cNvSpPr>
+            <a:spLocks noGrp="1"/>
+          </p:cNvSpPr>
+          <p:nvPr>
+            <p:ph type="title"/>
+          </p:nvPr>
+        </p:nvSpPr>
+        <p:spPr/>
+        <p:txBody>
+          <a:bodyPr/>
+          <a:lstStyle/>
+          <a:p>
+            <a:r>
+              <a:rPr lang="en-US" dirty="0" smtClean="0"/>
+              <a:t>Packet Analysis</a:t>
+            </a:r>
+            <a:endParaRPr lang="en-US" dirty="0"/>
+          </a:p>
+        </p:txBody>
+      </p:sp>
+      <p:sp>
+        <p:nvSpPr>
+          <p:cNvPr id="3" name="Content Placeholder 2"/>
+          <p:cNvSpPr>
+            <a:spLocks noGrp="1"/>
+          </p:cNvSpPr>
+          <p:nvPr>
+            <p:ph idx="1"/>
+          </p:nvPr>
+        </p:nvSpPr>
+        <p:spPr/>
+        <p:txBody>
+          <a:bodyPr>
+            <a:normAutofit/>
+          </a:bodyPr>
+          <a:lstStyle/>
+          <a:p>
+            <a:r>
+              <a:rPr lang="en-US" dirty="0" smtClean="0"/>
+              <a:t>Techniques:</a:t>
+            </a:r>
+          </a:p>
+          <a:p>
+            <a:pPr lvl="1"/>
+            <a:r>
+              <a:rPr lang="en-US" dirty="0"/>
+              <a:t>Pattern Matching—Identify packets of interest by matching speciﬁc values </a:t>
+            </a:r>
+            <a:r>
+              <a:rPr lang="en-US" dirty="0" smtClean="0"/>
+              <a:t>within the </a:t>
+            </a:r>
+            <a:r>
+              <a:rPr lang="en-US" dirty="0"/>
+              <a:t>packet </a:t>
+            </a:r>
+            <a:r>
+              <a:rPr lang="en-US" dirty="0" smtClean="0"/>
+              <a:t>capture.</a:t>
+            </a:r>
+          </a:p>
+          <a:p>
+            <a:pPr lvl="2"/>
+            <a:r>
+              <a:rPr lang="en-US" dirty="0"/>
+              <a:t>$  </a:t>
+            </a:r>
+            <a:r>
+              <a:rPr lang="en-US" dirty="0" err="1"/>
+              <a:t>ngrep</a:t>
+            </a:r>
+            <a:r>
+              <a:rPr lang="en-US" dirty="0"/>
+              <a:t>  -I  evidence01.pcap  '</a:t>
+            </a:r>
+            <a:r>
+              <a:rPr lang="en-US" dirty="0" err="1"/>
+              <a:t>secret|recipe|Ann</a:t>
+            </a:r>
+            <a:r>
+              <a:rPr lang="en-US" dirty="0"/>
+              <a:t>'</a:t>
+            </a:r>
+            <a:endParaRPr lang="en-US" dirty="0" smtClean="0"/>
+          </a:p>
+          <a:p>
+            <a:pPr lvl="1"/>
+            <a:r>
+              <a:rPr lang="en-US" dirty="0" smtClean="0"/>
+              <a:t>Parsing </a:t>
+            </a:r>
+            <a:r>
+              <a:rPr lang="en-US" dirty="0"/>
+              <a:t>Protocol Fields—Extract the contents of protocol </a:t>
+            </a:r>
+            <a:r>
+              <a:rPr lang="en-US" dirty="0" smtClean="0"/>
+              <a:t>fields.</a:t>
+            </a:r>
+          </a:p>
+          <a:p>
+            <a:pPr lvl="2"/>
+            <a:r>
+              <a:rPr lang="en-US" dirty="0"/>
+              <a:t>$  </a:t>
+            </a:r>
+            <a:r>
+              <a:rPr lang="en-US" dirty="0" err="1"/>
+              <a:t>tshark</a:t>
+            </a:r>
+            <a:r>
+              <a:rPr lang="en-US" dirty="0"/>
+              <a:t>  -r  evidence01.pcap  -d  </a:t>
+            </a:r>
+            <a:r>
+              <a:rPr lang="en-US" dirty="0" err="1"/>
+              <a:t>tcp.port</a:t>
+            </a:r>
+            <a:r>
+              <a:rPr lang="en-US" dirty="0"/>
+              <a:t>==443,aim  -T  fields  -n  -e  "</a:t>
+            </a:r>
+            <a:r>
+              <a:rPr lang="en-US" dirty="0" err="1" smtClean="0"/>
+              <a:t>aim.messageblock.message</a:t>
+            </a:r>
+            <a:r>
+              <a:rPr lang="en-US" dirty="0" smtClean="0"/>
+              <a:t>”</a:t>
+            </a:r>
+          </a:p>
+        </p:txBody>
+      </p:sp>
+    </p:spTree>
+    <p:extLst>
+      <p:ext uri="{BB962C8B-B14F-4D97-AF65-F5344CB8AC3E}">
+        <p14:creationId xmlns:p14="http://schemas.microsoft.com/office/powerpoint/2010/main" val="3850493921"/>
+      </p:ext>
+    </p:extLst>
+  </p:cSld>
+  <p:clrMapOvr>
+    <a:masterClrMapping/>
+  </p:clrMapOvr>
+</p:sld>
+</file>
+
+<file path=ppt/slides/slide26.xml><?xml version="1.0" encoding="utf-8"?>
+<p:sld xmlns:a="http://schemas.openxmlformats.org/drawingml/2006/main" xmlns:r="http://schemas.openxmlformats.org/officeDocument/2006/relationships" xmlns:p="http://schemas.openxmlformats.org/presentationml/2006/main">
+  <p:cSld>
+    <p:spTree>
+      <p:nvGrpSpPr>
+        <p:cNvPr id="1" name=""/>
+        <p:cNvGrpSpPr/>
+        <p:nvPr/>
+      </p:nvGrpSpPr>
+      <p:grpSpPr>
+        <a:xfrm>
+          <a:off x="0" y="0"/>
+          <a:ext cx="0" cy="0"/>
+          <a:chOff x="0" y="0"/>
+          <a:chExt cx="0" cy="0"/>
+        </a:xfrm>
+      </p:grpSpPr>
+      <p:sp>
+        <p:nvSpPr>
+          <p:cNvPr id="2" name="Title 1"/>
+          <p:cNvSpPr>
+            <a:spLocks noGrp="1"/>
+          </p:cNvSpPr>
+          <p:nvPr>
+            <p:ph type="title"/>
+          </p:nvPr>
+        </p:nvSpPr>
+        <p:spPr/>
+        <p:txBody>
+          <a:bodyPr/>
+          <a:lstStyle/>
+          <a:p>
+            <a:r>
+              <a:rPr lang="en-US" dirty="0" smtClean="0"/>
+              <a:t>Packet Analysis</a:t>
+            </a:r>
+            <a:endParaRPr lang="en-US" dirty="0"/>
+          </a:p>
+        </p:txBody>
+      </p:sp>
+      <p:sp>
+        <p:nvSpPr>
+          <p:cNvPr id="3" name="Content Placeholder 2"/>
+          <p:cNvSpPr>
+            <a:spLocks noGrp="1"/>
+          </p:cNvSpPr>
+          <p:nvPr>
+            <p:ph idx="1"/>
+          </p:nvPr>
+        </p:nvSpPr>
+        <p:spPr/>
+        <p:txBody>
+          <a:bodyPr/>
+          <a:lstStyle/>
+          <a:p>
+            <a:r>
+              <a:rPr lang="en-US" dirty="0" smtClean="0"/>
+              <a:t>Techniques:</a:t>
+            </a:r>
+          </a:p>
+          <a:p>
+            <a:pPr lvl="1"/>
+            <a:r>
+              <a:rPr lang="en-US" dirty="0" smtClean="0"/>
+              <a:t>Packet Filtering—Separate packets based on the values of fields in protocol meta-data.</a:t>
+            </a:r>
+          </a:p>
+          <a:p>
+            <a:pPr lvl="2"/>
+            <a:r>
+              <a:rPr lang="fr-FR" dirty="0" err="1" smtClean="0"/>
+              <a:t>Filtering</a:t>
+            </a:r>
+            <a:r>
+              <a:rPr lang="fr-FR" dirty="0" smtClean="0"/>
+              <a:t> </a:t>
+            </a:r>
+            <a:r>
+              <a:rPr lang="fr-FR" dirty="0" err="1" smtClean="0"/>
+              <a:t>with</a:t>
+            </a:r>
+            <a:r>
+              <a:rPr lang="fr-FR" dirty="0" smtClean="0"/>
+              <a:t> BPF:</a:t>
+            </a:r>
+          </a:p>
+          <a:p>
+            <a:pPr lvl="3"/>
+            <a:r>
+              <a:rPr lang="fr-FR" dirty="0" smtClean="0"/>
+              <a:t>$  </a:t>
+            </a:r>
+            <a:r>
+              <a:rPr lang="fr-FR" dirty="0" err="1"/>
+              <a:t>tcpdump</a:t>
+            </a:r>
+            <a:r>
+              <a:rPr lang="fr-FR" dirty="0"/>
+              <a:t>  -s  0  -r  evidence01.pcap  -w  evidence01 -</a:t>
+            </a:r>
+            <a:r>
+              <a:rPr lang="fr-FR" dirty="0" err="1"/>
+              <a:t>talkers.pcap</a:t>
+            </a:r>
+            <a:r>
+              <a:rPr lang="fr-FR" dirty="0"/>
+              <a:t>  'host 64.12.24.50  and  host  192.168.1.158 '</a:t>
+            </a:r>
+            <a:endParaRPr lang="en-US" dirty="0"/>
+          </a:p>
+          <a:p>
+            <a:pPr lvl="2"/>
+            <a:r>
+              <a:rPr lang="en-US" dirty="0" err="1" smtClean="0"/>
+              <a:t>Wireshark</a:t>
+            </a:r>
+            <a:r>
+              <a:rPr lang="en-US" dirty="0" smtClean="0"/>
+              <a:t> Display filters:</a:t>
+            </a:r>
+          </a:p>
+          <a:p>
+            <a:pPr lvl="3"/>
+            <a:r>
+              <a:rPr lang="en-US" dirty="0"/>
+              <a:t>browse to Frame 3 to see something we’ve </a:t>
+            </a:r>
+            <a:r>
+              <a:rPr lang="en-US" dirty="0" smtClean="0"/>
+              <a:t>seen before</a:t>
+            </a:r>
+            <a:r>
+              <a:rPr lang="en-US" dirty="0"/>
+              <a:t>: </a:t>
+            </a:r>
+            <a:r>
+              <a:rPr lang="en-US" dirty="0" err="1"/>
+              <a:t>cleartext</a:t>
+            </a:r>
+            <a:r>
+              <a:rPr lang="en-US" dirty="0"/>
+              <a:t> traﬃc on port 443. </a:t>
+            </a:r>
+            <a:endParaRPr lang="en-US" dirty="0" smtClean="0"/>
+          </a:p>
+          <a:p>
+            <a:pPr lvl="3"/>
+            <a:r>
+              <a:rPr lang="en-US" dirty="0"/>
+              <a:t> Packet Bytes window </a:t>
+            </a:r>
+            <a:r>
+              <a:rPr lang="en-US" dirty="0" smtClean="0"/>
+              <a:t>displays the </a:t>
+            </a:r>
+            <a:r>
+              <a:rPr lang="en-US" dirty="0"/>
+              <a:t>message containing “Here’s the secret recipe ...”</a:t>
+            </a:r>
+            <a:endParaRPr lang="en-US" dirty="0" smtClean="0"/>
+          </a:p>
+          <a:p>
+            <a:pPr lvl="3"/>
+            <a:endParaRPr lang="en-US" dirty="0" smtClean="0"/>
+          </a:p>
+          <a:p>
+            <a:pPr marL="968375" lvl="3" indent="0">
+              <a:buNone/>
+            </a:pPr>
+            <a:endParaRPr lang="en-US" dirty="0"/>
+          </a:p>
+        </p:txBody>
+      </p:sp>
+    </p:spTree>
+    <p:extLst>
+      <p:ext uri="{BB962C8B-B14F-4D97-AF65-F5344CB8AC3E}">
+        <p14:creationId xmlns:p14="http://schemas.microsoft.com/office/powerpoint/2010/main" val="151420995"/>
+      </p:ext>
+    </p:extLst>
+  </p:cSld>
+  <p:clrMapOvr>
+    <a:masterClrMapping/>
+  </p:clrMapOvr>
+</p:sld>
+</file>
+
+<file path=ppt/slides/slide27.xml><?xml version="1.0" encoding="utf-8"?>
+<p:sld xmlns:a="http://schemas.openxmlformats.org/drawingml/2006/main" xmlns:r="http://schemas.openxmlformats.org/officeDocument/2006/relationships" xmlns:p="http://schemas.openxmlformats.org/presentationml/2006/main">
+  <p:cSld>
+    <p:spTree>
+      <p:nvGrpSpPr>
+        <p:cNvPr id="1" name=""/>
+        <p:cNvGrpSpPr/>
+        <p:nvPr/>
+      </p:nvGrpSpPr>
+      <p:grpSpPr>
+        <a:xfrm>
+          <a:off x="0" y="0"/>
+          <a:ext cx="0" cy="0"/>
+          <a:chOff x="0" y="0"/>
+          <a:chExt cx="0" cy="0"/>
+        </a:xfrm>
+      </p:grpSpPr>
+      <p:sp>
+        <p:nvSpPr>
+          <p:cNvPr id="2" name="Title 1"/>
+          <p:cNvSpPr>
+            <a:spLocks noGrp="1"/>
+          </p:cNvSpPr>
+          <p:nvPr>
+            <p:ph type="title"/>
+          </p:nvPr>
+        </p:nvSpPr>
+        <p:spPr/>
+        <p:txBody>
+          <a:bodyPr/>
+          <a:lstStyle/>
+          <a:p>
+            <a:r>
+              <a:rPr lang="en-US" dirty="0" smtClean="0"/>
+              <a:t>Packet Analysis</a:t>
+            </a:r>
+            <a:endParaRPr lang="en-US" dirty="0"/>
+          </a:p>
+        </p:txBody>
+      </p:sp>
+      <p:pic>
+        <p:nvPicPr>
+          <p:cNvPr id="4" name="Content Placeholder 3" descr="getfile.jpg"/>
+          <p:cNvPicPr>
+            <a:picLocks noGrp="1" noChangeAspect="1"/>
+          </p:cNvPicPr>
+          <p:nvPr>
+            <p:ph idx="1"/>
+          </p:nvPr>
+        </p:nvPicPr>
+        <p:blipFill>
+          <a:blip r:embed="rId2">
+            <a:extLst>
+              <a:ext uri="{28A0092B-C50C-407E-A947-70E740481C1C}">
+                <a14:useLocalDpi xmlns:a14="http://schemas.microsoft.com/office/drawing/2010/main" val="0"/>
+              </a:ext>
+            </a:extLst>
+          </a:blip>
+          <a:srcRect l="-28761" r="-28761"/>
+          <a:stretch>
+            <a:fillRect/>
+          </a:stretch>
+        </p:blipFill>
+        <p:spPr>
+          <a:xfrm>
+            <a:off x="549275" y="1600200"/>
+            <a:ext cx="8042275" cy="4343400"/>
+          </a:xfrm>
+        </p:spPr>
+      </p:pic>
+    </p:spTree>
+    <p:extLst>
+      <p:ext uri="{BB962C8B-B14F-4D97-AF65-F5344CB8AC3E}">
+        <p14:creationId xmlns:p14="http://schemas.microsoft.com/office/powerpoint/2010/main" val="1538424245"/>
+      </p:ext>
+    </p:extLst>
+  </p:cSld>
+  <p:clrMapOvr>
+    <a:masterClrMapping/>
+  </p:clrMapOvr>
+</p:sld>
+</file>
+
+<file path=ppt/slides/slide28.xml><?xml version="1.0" encoding="utf-8"?>
+<p:sld xmlns:a="http://schemas.openxmlformats.org/drawingml/2006/main" xmlns:r="http://schemas.openxmlformats.org/officeDocument/2006/relationships" xmlns:p="http://schemas.openxmlformats.org/presentationml/2006/main">
+  <p:cSld>
+    <p:spTree>
+      <p:nvGrpSpPr>
+        <p:cNvPr id="1" name=""/>
+        <p:cNvGrpSpPr/>
+        <p:nvPr/>
+      </p:nvGrpSpPr>
+      <p:grpSpPr>
+        <a:xfrm>
+          <a:off x="0" y="0"/>
+          <a:ext cx="0" cy="0"/>
+          <a:chOff x="0" y="0"/>
+          <a:chExt cx="0" cy="0"/>
+        </a:xfrm>
+      </p:grpSpPr>
+      <p:sp>
+        <p:nvSpPr>
+          <p:cNvPr id="2" name="Title 1"/>
+          <p:cNvSpPr>
+            <a:spLocks noGrp="1"/>
+          </p:cNvSpPr>
+          <p:nvPr>
+            <p:ph type="title"/>
+          </p:nvPr>
+        </p:nvSpPr>
+        <p:spPr/>
+        <p:txBody>
+          <a:bodyPr/>
+          <a:lstStyle/>
+          <a:p>
+            <a:r>
+              <a:rPr lang="en-US" dirty="0" smtClean="0"/>
+              <a:t>Packet Analysis</a:t>
+            </a:r>
+            <a:endParaRPr lang="en-US" dirty="0"/>
+          </a:p>
+        </p:txBody>
+      </p:sp>
+      <p:sp>
+        <p:nvSpPr>
+          <p:cNvPr id="3" name="Content Placeholder 2"/>
+          <p:cNvSpPr>
+            <a:spLocks noGrp="1"/>
+          </p:cNvSpPr>
+          <p:nvPr>
+            <p:ph idx="1"/>
+          </p:nvPr>
+        </p:nvSpPr>
+        <p:spPr>
+          <a:xfrm>
+            <a:off x="549275" y="1600200"/>
+            <a:ext cx="3877256" cy="4775253"/>
+          </a:xfrm>
+        </p:spPr>
+        <p:txBody>
+          <a:bodyPr>
+            <a:normAutofit/>
+          </a:bodyPr>
+          <a:lstStyle/>
+          <a:p>
+            <a:r>
+              <a:rPr lang="en-US" dirty="0" err="1" smtClean="0"/>
+              <a:t>Wireshark</a:t>
+            </a:r>
+            <a:r>
+              <a:rPr lang="en-US" dirty="0" smtClean="0"/>
+              <a:t> filters:</a:t>
+            </a:r>
+          </a:p>
+          <a:p>
+            <a:pPr lvl="1"/>
+            <a:r>
+              <a:rPr lang="en-US" dirty="0" smtClean="0"/>
+              <a:t>Fig shows </a:t>
+            </a:r>
+            <a:r>
+              <a:rPr lang="en-US" dirty="0"/>
+              <a:t>the display ﬁlter, aim </a:t>
+            </a:r>
+            <a:r>
+              <a:rPr lang="en-US" dirty="0" err="1"/>
+              <a:t>messaging.channelid</a:t>
+            </a:r>
+            <a:r>
+              <a:rPr lang="en-US" dirty="0"/>
+              <a:t>==0x0002, which picks </a:t>
+            </a:r>
+            <a:r>
+              <a:rPr lang="en-US" dirty="0" smtClean="0"/>
+              <a:t>out ICBM </a:t>
+            </a:r>
+            <a:r>
+              <a:rPr lang="en-US" dirty="0"/>
+              <a:t>channel 2 messages. After applying this ﬁlter, three packets are displayed</a:t>
+            </a:r>
+            <a:r>
+              <a:rPr lang="en-US" dirty="0" smtClean="0"/>
+              <a:t>.</a:t>
+            </a:r>
+            <a:endParaRPr lang="en-US" dirty="0"/>
+          </a:p>
+        </p:txBody>
+      </p:sp>
+      <p:pic>
+        <p:nvPicPr>
+          <p:cNvPr id="4" name="Picture 3" descr="getfile.jpg"/>
+          <p:cNvPicPr>
+            <a:picLocks noChangeAspect="1"/>
+          </p:cNvPicPr>
+          <p:nvPr/>
+        </p:nvPicPr>
+        <p:blipFill>
+          <a:blip r:embed="rId2">
+            <a:extLst>
+              <a:ext uri="{28A0092B-C50C-407E-A947-70E740481C1C}">
+                <a14:useLocalDpi xmlns:a14="http://schemas.microsoft.com/office/drawing/2010/main" val="0"/>
+              </a:ext>
+            </a:extLst>
+          </a:blip>
+          <a:stretch>
+            <a:fillRect/>
+          </a:stretch>
+        </p:blipFill>
+        <p:spPr>
+          <a:xfrm>
+            <a:off x="4342977" y="1746358"/>
+            <a:ext cx="4671348" cy="3459287"/>
+          </a:xfrm>
+          <a:prstGeom prst="rect">
+            <a:avLst/>
+          </a:prstGeom>
+        </p:spPr>
+      </p:pic>
+    </p:spTree>
+    <p:extLst>
+      <p:ext uri="{BB962C8B-B14F-4D97-AF65-F5344CB8AC3E}">
+        <p14:creationId xmlns:p14="http://schemas.microsoft.com/office/powerpoint/2010/main" val="862322153"/>
+      </p:ext>
+    </p:extLst>
+  </p:cSld>
+  <p:clrMapOvr>
+    <a:masterClrMapping/>
+  </p:clrMapOvr>
+</p:sld>
+</file>
+
+<file path=ppt/slides/slide29.xml><?xml version="1.0" encoding="utf-8"?>
+<p:sld xmlns:a="http://schemas.openxmlformats.org/drawingml/2006/main" xmlns:r="http://schemas.openxmlformats.org/officeDocument/2006/relationships" xmlns:p="http://schemas.openxmlformats.org/presentationml/2006/main">
+  <p:cSld>
+    <p:spTree>
+      <p:nvGrpSpPr>
+        <p:cNvPr id="1" name=""/>
+        <p:cNvGrpSpPr/>
+        <p:nvPr/>
+      </p:nvGrpSpPr>
+      <p:grpSpPr>
+        <a:xfrm>
+          <a:off x="0" y="0"/>
+          <a:ext cx="0" cy="0"/>
+          <a:chOff x="0" y="0"/>
+          <a:chExt cx="0" cy="0"/>
+        </a:xfrm>
+      </p:grpSpPr>
+      <p:sp>
+        <p:nvSpPr>
+          <p:cNvPr id="2" name="Title 1"/>
+          <p:cNvSpPr>
+            <a:spLocks noGrp="1"/>
+          </p:cNvSpPr>
+          <p:nvPr>
+            <p:ph type="title"/>
+          </p:nvPr>
+        </p:nvSpPr>
+        <p:spPr/>
+        <p:txBody>
+          <a:bodyPr/>
+          <a:lstStyle/>
+          <a:p>
+            <a:r>
+              <a:rPr lang="en-US" dirty="0" smtClean="0"/>
+              <a:t>Packet Analysis</a:t>
+            </a:r>
+            <a:endParaRPr lang="en-US" dirty="0"/>
+          </a:p>
+        </p:txBody>
+      </p:sp>
+      <p:sp>
+        <p:nvSpPr>
+          <p:cNvPr id="3" name="Content Placeholder 2"/>
+          <p:cNvSpPr>
+            <a:spLocks noGrp="1"/>
+          </p:cNvSpPr>
+          <p:nvPr>
+            <p:ph idx="1"/>
+          </p:nvPr>
+        </p:nvSpPr>
+        <p:spPr>
+          <a:xfrm>
+            <a:off x="549275" y="1600201"/>
+            <a:ext cx="4163201" cy="4343400"/>
+          </a:xfrm>
+        </p:spPr>
+        <p:txBody>
+          <a:bodyPr/>
+          <a:lstStyle/>
+          <a:p>
+            <a:r>
+              <a:rPr lang="en-US" dirty="0" err="1" smtClean="0"/>
+              <a:t>Wireshark</a:t>
+            </a:r>
+            <a:r>
+              <a:rPr lang="en-US" dirty="0" smtClean="0"/>
+              <a:t> filters:</a:t>
+            </a:r>
+          </a:p>
+          <a:p>
+            <a:pPr lvl="1"/>
+            <a:r>
+              <a:rPr lang="en-US" dirty="0"/>
+              <a:t>Packet Details window shows the inbound IP address (192.168.1.158) and port (TCP port 5190) oﬀered by the initiating client</a:t>
+            </a:r>
+          </a:p>
+          <a:p>
+            <a:pPr lvl="1"/>
+            <a:endParaRPr lang="en-US" dirty="0"/>
+          </a:p>
+        </p:txBody>
+      </p:sp>
+      <p:pic>
+        <p:nvPicPr>
+          <p:cNvPr id="4" name="Picture 3" descr="getfile.jpg"/>
+          <p:cNvPicPr>
+            <a:picLocks noChangeAspect="1"/>
+          </p:cNvPicPr>
+          <p:nvPr/>
+        </p:nvPicPr>
+        <p:blipFill>
+          <a:blip r:embed="rId2">
+            <a:extLst>
+              <a:ext uri="{28A0092B-C50C-407E-A947-70E740481C1C}">
+                <a14:useLocalDpi xmlns:a14="http://schemas.microsoft.com/office/drawing/2010/main" val="0"/>
+              </a:ext>
+            </a:extLst>
+          </a:blip>
+          <a:stretch>
+            <a:fillRect/>
+          </a:stretch>
+        </p:blipFill>
+        <p:spPr>
+          <a:xfrm>
+            <a:off x="4499874" y="1905116"/>
+            <a:ext cx="4510439" cy="4124553"/>
+          </a:xfrm>
+          <a:prstGeom prst="rect">
+            <a:avLst/>
+          </a:prstGeom>
+        </p:spPr>
+      </p:pic>
+    </p:spTree>
+    <p:extLst>
+      <p:ext uri="{BB962C8B-B14F-4D97-AF65-F5344CB8AC3E}">
+        <p14:creationId xmlns:p14="http://schemas.microsoft.com/office/powerpoint/2010/main" val="4018337022"/>
+      </p:ext>
+    </p:extLst>
+  </p:cSld>
+  <p:clrMapOvr>
+    <a:masterClrMapping/>
+  </p:clrMapOvr>
+</p:sld>
+</file>
+
 <file path=ppt/slides/slide3.xml><?xml version="1.0" encoding="utf-8"?>
 <p:sld xmlns:a="http://schemas.openxmlformats.org/drawingml/2006/main" xmlns:r="http://schemas.openxmlformats.org/officeDocument/2006/relationships" xmlns:p="http://schemas.openxmlformats.org/presentationml/2006/main">
   <p:cSld>
@@ -5246,6 +6806,1777 @@
     <p:extLst>
       <p:ext uri="{BB962C8B-B14F-4D97-AF65-F5344CB8AC3E}">
         <p14:creationId xmlns:p14="http://schemas.microsoft.com/office/powerpoint/2010/main" val="2088250270"/>
+      </p:ext>
+    </p:extLst>
+  </p:cSld>
+  <p:clrMapOvr>
+    <a:masterClrMapping/>
+  </p:clrMapOvr>
+</p:sld>
+</file>
+
+<file path=ppt/slides/slide30.xml><?xml version="1.0" encoding="utf-8"?>
+<p:sld xmlns:a="http://schemas.openxmlformats.org/drawingml/2006/main" xmlns:r="http://schemas.openxmlformats.org/officeDocument/2006/relationships" xmlns:p="http://schemas.openxmlformats.org/presentationml/2006/main">
+  <p:cSld>
+    <p:spTree>
+      <p:nvGrpSpPr>
+        <p:cNvPr id="1" name=""/>
+        <p:cNvGrpSpPr/>
+        <p:nvPr/>
+      </p:nvGrpSpPr>
+      <p:grpSpPr>
+        <a:xfrm>
+          <a:off x="0" y="0"/>
+          <a:ext cx="0" cy="0"/>
+          <a:chOff x="0" y="0"/>
+          <a:chExt cx="0" cy="0"/>
+        </a:xfrm>
+      </p:grpSpPr>
+      <p:sp>
+        <p:nvSpPr>
+          <p:cNvPr id="2" name="Title 1"/>
+          <p:cNvSpPr>
+            <a:spLocks noGrp="1"/>
+          </p:cNvSpPr>
+          <p:nvPr>
+            <p:ph type="title"/>
+          </p:nvPr>
+        </p:nvSpPr>
+        <p:spPr/>
+        <p:txBody>
+          <a:bodyPr/>
+          <a:lstStyle/>
+          <a:p>
+            <a:r>
+              <a:rPr lang="en-US" dirty="0" smtClean="0"/>
+              <a:t>Flow Analysis</a:t>
+            </a:r>
+            <a:endParaRPr lang="en-US" dirty="0"/>
+          </a:p>
+        </p:txBody>
+      </p:sp>
+      <p:sp>
+        <p:nvSpPr>
+          <p:cNvPr id="3" name="Content Placeholder 2"/>
+          <p:cNvSpPr>
+            <a:spLocks noGrp="1"/>
+          </p:cNvSpPr>
+          <p:nvPr>
+            <p:ph idx="1"/>
+          </p:nvPr>
+        </p:nvSpPr>
+        <p:spPr/>
+        <p:txBody>
+          <a:bodyPr>
+            <a:normAutofit/>
+          </a:bodyPr>
+          <a:lstStyle/>
+          <a:p>
+            <a:r>
+              <a:rPr lang="en-US" dirty="0"/>
+              <a:t>Flow analysis is the practice of examining related groups of packets in order to identify </a:t>
+            </a:r>
+            <a:r>
+              <a:rPr lang="en-US" dirty="0" smtClean="0"/>
+              <a:t>patterns</a:t>
+            </a:r>
+            <a:r>
+              <a:rPr lang="en-US" dirty="0"/>
+              <a:t>, analyze higher-layer protocols, or extract data</a:t>
+            </a:r>
+            <a:r>
+              <a:rPr lang="en-US" dirty="0" smtClean="0"/>
+              <a:t>.</a:t>
+            </a:r>
+          </a:p>
+          <a:p>
+            <a:r>
+              <a:rPr lang="en-US" dirty="0" smtClean="0"/>
+              <a:t>A </a:t>
+            </a:r>
+            <a:r>
+              <a:rPr lang="en-US" dirty="0"/>
+              <a:t>“ﬂow” is deﬁned as “a sequence of packets sent from a particular </a:t>
+            </a:r>
+            <a:r>
+              <a:rPr lang="en-US" dirty="0" smtClean="0"/>
+              <a:t>source to </a:t>
+            </a:r>
+            <a:r>
+              <a:rPr lang="en-US" dirty="0"/>
+              <a:t>a particular unicast, </a:t>
+            </a:r>
+            <a:r>
+              <a:rPr lang="en-US" dirty="0" err="1" smtClean="0"/>
+              <a:t>manycast</a:t>
+            </a:r>
+            <a:r>
+              <a:rPr lang="en-US" dirty="0"/>
+              <a:t>, or multicast destination that the source desires to </a:t>
+            </a:r>
+            <a:r>
+              <a:rPr lang="en-US" dirty="0" smtClean="0"/>
+              <a:t>label as </a:t>
+            </a:r>
+            <a:r>
+              <a:rPr lang="en-US" dirty="0"/>
+              <a:t>a ﬂow. </a:t>
+            </a:r>
+          </a:p>
+        </p:txBody>
+      </p:sp>
+    </p:spTree>
+    <p:extLst>
+      <p:ext uri="{BB962C8B-B14F-4D97-AF65-F5344CB8AC3E}">
+        <p14:creationId xmlns:p14="http://schemas.microsoft.com/office/powerpoint/2010/main" val="1434435531"/>
+      </p:ext>
+    </p:extLst>
+  </p:cSld>
+  <p:clrMapOvr>
+    <a:masterClrMapping/>
+  </p:clrMapOvr>
+</p:sld>
+</file>
+
+<file path=ppt/slides/slide31.xml><?xml version="1.0" encoding="utf-8"?>
+<p:sld xmlns:a="http://schemas.openxmlformats.org/drawingml/2006/main" xmlns:r="http://schemas.openxmlformats.org/officeDocument/2006/relationships" xmlns:p="http://schemas.openxmlformats.org/presentationml/2006/main">
+  <p:cSld>
+    <p:spTree>
+      <p:nvGrpSpPr>
+        <p:cNvPr id="1" name=""/>
+        <p:cNvGrpSpPr/>
+        <p:nvPr/>
+      </p:nvGrpSpPr>
+      <p:grpSpPr>
+        <a:xfrm>
+          <a:off x="0" y="0"/>
+          <a:ext cx="0" cy="0"/>
+          <a:chOff x="0" y="0"/>
+          <a:chExt cx="0" cy="0"/>
+        </a:xfrm>
+      </p:grpSpPr>
+      <p:sp>
+        <p:nvSpPr>
+          <p:cNvPr id="2" name="Title 1"/>
+          <p:cNvSpPr>
+            <a:spLocks noGrp="1"/>
+          </p:cNvSpPr>
+          <p:nvPr>
+            <p:ph type="title"/>
+          </p:nvPr>
+        </p:nvSpPr>
+        <p:spPr/>
+        <p:txBody>
+          <a:bodyPr/>
+          <a:lstStyle/>
+          <a:p>
+            <a:r>
+              <a:rPr lang="en-US" dirty="0" smtClean="0"/>
+              <a:t>Flow analysis</a:t>
+            </a:r>
+            <a:endParaRPr lang="en-US" dirty="0"/>
+          </a:p>
+        </p:txBody>
+      </p:sp>
+      <p:sp>
+        <p:nvSpPr>
+          <p:cNvPr id="3" name="Content Placeholder 2"/>
+          <p:cNvSpPr>
+            <a:spLocks noGrp="1"/>
+          </p:cNvSpPr>
+          <p:nvPr>
+            <p:ph idx="1"/>
+          </p:nvPr>
+        </p:nvSpPr>
+        <p:spPr/>
+        <p:txBody>
+          <a:bodyPr/>
+          <a:lstStyle/>
+          <a:p>
+            <a:r>
+              <a:rPr lang="en-US" dirty="0" smtClean="0"/>
+              <a:t>Tools:</a:t>
+            </a:r>
+          </a:p>
+          <a:p>
+            <a:pPr lvl="1"/>
+            <a:r>
+              <a:rPr lang="en-US" dirty="0" err="1" smtClean="0"/>
+              <a:t>Wireshark</a:t>
+            </a:r>
+            <a:r>
+              <a:rPr lang="en-US" dirty="0" smtClean="0"/>
+              <a:t>: Follow TCP stream</a:t>
+            </a:r>
+          </a:p>
+          <a:p>
+            <a:pPr lvl="2"/>
+            <a:r>
+              <a:rPr lang="en-US" dirty="0" smtClean="0"/>
+              <a:t>GUI</a:t>
+            </a:r>
+          </a:p>
+          <a:p>
+            <a:pPr lvl="1"/>
+            <a:r>
+              <a:rPr lang="en-US" dirty="0" err="1" smtClean="0"/>
+              <a:t>Tcpflow</a:t>
+            </a:r>
+            <a:endParaRPr lang="en-US" dirty="0" smtClean="0"/>
+          </a:p>
+          <a:p>
+            <a:pPr lvl="2"/>
+            <a:r>
+              <a:rPr lang="en-US" dirty="0" smtClean="0"/>
+              <a:t>CLI</a:t>
+            </a:r>
+          </a:p>
+          <a:p>
+            <a:pPr lvl="1"/>
+            <a:r>
+              <a:rPr lang="en-US" dirty="0" err="1" smtClean="0"/>
+              <a:t>Pcapcat</a:t>
+            </a:r>
+            <a:endParaRPr lang="en-US" dirty="0" smtClean="0"/>
+          </a:p>
+          <a:p>
+            <a:pPr lvl="2"/>
+            <a:r>
+              <a:rPr lang="en-US" dirty="0" smtClean="0"/>
+              <a:t>CLI</a:t>
+            </a:r>
+          </a:p>
+          <a:p>
+            <a:pPr lvl="1"/>
+            <a:r>
+              <a:rPr lang="en-US" dirty="0" err="1" smtClean="0"/>
+              <a:t>Tcpxtract</a:t>
+            </a:r>
+            <a:endParaRPr lang="en-US" dirty="0" smtClean="0"/>
+          </a:p>
+          <a:p>
+            <a:pPr lvl="2"/>
+            <a:r>
+              <a:rPr lang="en-US" dirty="0" smtClean="0"/>
+              <a:t>CLI</a:t>
+            </a:r>
+          </a:p>
+          <a:p>
+            <a:pPr lvl="2"/>
+            <a:r>
+              <a:rPr lang="en-US" dirty="0"/>
+              <a:t>$  </a:t>
+            </a:r>
+            <a:r>
+              <a:rPr lang="en-US" dirty="0" err="1"/>
+              <a:t>tcpxtract</a:t>
+            </a:r>
+            <a:r>
+              <a:rPr lang="en-US" dirty="0"/>
+              <a:t>  -f  </a:t>
+            </a:r>
+            <a:r>
+              <a:rPr lang="en-US" dirty="0" err="1"/>
+              <a:t>capturefile.pcap</a:t>
+            </a:r>
+            <a:endParaRPr lang="en-US" dirty="0" smtClean="0"/>
+          </a:p>
+        </p:txBody>
+      </p:sp>
+    </p:spTree>
+    <p:extLst>
+      <p:ext uri="{BB962C8B-B14F-4D97-AF65-F5344CB8AC3E}">
+        <p14:creationId xmlns:p14="http://schemas.microsoft.com/office/powerpoint/2010/main" val="2864698884"/>
+      </p:ext>
+    </p:extLst>
+  </p:cSld>
+  <p:clrMapOvr>
+    <a:masterClrMapping/>
+  </p:clrMapOvr>
+</p:sld>
+</file>
+
+<file path=ppt/slides/slide32.xml><?xml version="1.0" encoding="utf-8"?>
+<p:sld xmlns:a="http://schemas.openxmlformats.org/drawingml/2006/main" xmlns:r="http://schemas.openxmlformats.org/officeDocument/2006/relationships" xmlns:p="http://schemas.openxmlformats.org/presentationml/2006/main">
+  <p:cSld>
+    <p:spTree>
+      <p:nvGrpSpPr>
+        <p:cNvPr id="1" name=""/>
+        <p:cNvGrpSpPr/>
+        <p:nvPr/>
+      </p:nvGrpSpPr>
+      <p:grpSpPr>
+        <a:xfrm>
+          <a:off x="0" y="0"/>
+          <a:ext cx="0" cy="0"/>
+          <a:chOff x="0" y="0"/>
+          <a:chExt cx="0" cy="0"/>
+        </a:xfrm>
+      </p:grpSpPr>
+      <p:sp>
+        <p:nvSpPr>
+          <p:cNvPr id="2" name="Title 1"/>
+          <p:cNvSpPr>
+            <a:spLocks noGrp="1"/>
+          </p:cNvSpPr>
+          <p:nvPr>
+            <p:ph type="title"/>
+          </p:nvPr>
+        </p:nvSpPr>
+        <p:spPr/>
+        <p:txBody>
+          <a:bodyPr/>
+          <a:lstStyle/>
+          <a:p>
+            <a:r>
+              <a:rPr lang="en-US" dirty="0" smtClean="0"/>
+              <a:t>Flow Analysis</a:t>
+            </a:r>
+            <a:endParaRPr lang="en-US" dirty="0"/>
+          </a:p>
+        </p:txBody>
+      </p:sp>
+      <p:sp>
+        <p:nvSpPr>
+          <p:cNvPr id="3" name="Content Placeholder 2"/>
+          <p:cNvSpPr>
+            <a:spLocks noGrp="1"/>
+          </p:cNvSpPr>
+          <p:nvPr>
+            <p:ph idx="1"/>
+          </p:nvPr>
+        </p:nvSpPr>
+        <p:spPr/>
+        <p:txBody>
+          <a:bodyPr>
+            <a:normAutofit/>
+          </a:bodyPr>
+          <a:lstStyle/>
+          <a:p>
+            <a:r>
+              <a:rPr lang="en-US" dirty="0" smtClean="0"/>
+              <a:t>Techniques:</a:t>
+            </a:r>
+          </a:p>
+          <a:p>
+            <a:pPr lvl="1"/>
+            <a:r>
+              <a:rPr lang="en-US" dirty="0"/>
+              <a:t>List conversations and ﬂows—List all conversations and/or ﬂows within a </a:t>
+            </a:r>
+            <a:r>
+              <a:rPr lang="en-US" dirty="0" smtClean="0"/>
+              <a:t>packet capture</a:t>
+            </a:r>
+            <a:r>
+              <a:rPr lang="en-US" dirty="0"/>
+              <a:t>, or only speciﬁc ﬂows based on their </a:t>
+            </a:r>
+            <a:r>
+              <a:rPr lang="en-US" dirty="0" smtClean="0"/>
+              <a:t>characteristics.</a:t>
+            </a:r>
+          </a:p>
+          <a:p>
+            <a:pPr lvl="1"/>
+            <a:r>
+              <a:rPr lang="en-US" dirty="0" smtClean="0"/>
+              <a:t>Export </a:t>
+            </a:r>
+            <a:r>
+              <a:rPr lang="en-US" dirty="0"/>
+              <a:t>a ﬂow—Isolate a ﬂow, or multiple ﬂows, and store the ﬂow(s) of interest </a:t>
+            </a:r>
+            <a:r>
+              <a:rPr lang="en-US" dirty="0" smtClean="0"/>
+              <a:t>to disk </a:t>
+            </a:r>
+            <a:r>
+              <a:rPr lang="en-US" dirty="0"/>
+              <a:t>for further analysis</a:t>
+            </a:r>
+            <a:r>
+              <a:rPr lang="en-US" dirty="0" smtClean="0"/>
+              <a:t>.</a:t>
+            </a:r>
+          </a:p>
+          <a:p>
+            <a:pPr lvl="1"/>
+            <a:r>
+              <a:rPr lang="en-US" dirty="0" smtClean="0"/>
+              <a:t>File </a:t>
+            </a:r>
+            <a:r>
+              <a:rPr lang="en-US" dirty="0"/>
+              <a:t>and data carving—Extract ﬁles or other data of interest from the </a:t>
+            </a:r>
+            <a:r>
+              <a:rPr lang="en-US" dirty="0" smtClean="0"/>
+              <a:t>reassembled ﬂow</a:t>
+            </a:r>
+            <a:r>
+              <a:rPr lang="en-US" dirty="0"/>
+              <a:t>.</a:t>
+            </a:r>
+          </a:p>
+        </p:txBody>
+      </p:sp>
+    </p:spTree>
+    <p:extLst>
+      <p:ext uri="{BB962C8B-B14F-4D97-AF65-F5344CB8AC3E}">
+        <p14:creationId xmlns:p14="http://schemas.microsoft.com/office/powerpoint/2010/main" val="147625710"/>
+      </p:ext>
+    </p:extLst>
+  </p:cSld>
+  <p:clrMapOvr>
+    <a:masterClrMapping/>
+  </p:clrMapOvr>
+</p:sld>
+</file>
+
+<file path=ppt/slides/slide33.xml><?xml version="1.0" encoding="utf-8"?>
+<p:sld xmlns:a="http://schemas.openxmlformats.org/drawingml/2006/main" xmlns:r="http://schemas.openxmlformats.org/officeDocument/2006/relationships" xmlns:p="http://schemas.openxmlformats.org/presentationml/2006/main">
+  <p:cSld>
+    <p:spTree>
+      <p:nvGrpSpPr>
+        <p:cNvPr id="1" name=""/>
+        <p:cNvGrpSpPr/>
+        <p:nvPr/>
+      </p:nvGrpSpPr>
+      <p:grpSpPr>
+        <a:xfrm>
+          <a:off x="0" y="0"/>
+          <a:ext cx="0" cy="0"/>
+          <a:chOff x="0" y="0"/>
+          <a:chExt cx="0" cy="0"/>
+        </a:xfrm>
+      </p:grpSpPr>
+      <p:sp>
+        <p:nvSpPr>
+          <p:cNvPr id="2" name="Title 1"/>
+          <p:cNvSpPr>
+            <a:spLocks noGrp="1"/>
+          </p:cNvSpPr>
+          <p:nvPr>
+            <p:ph type="title"/>
+          </p:nvPr>
+        </p:nvSpPr>
+        <p:spPr/>
+        <p:txBody>
+          <a:bodyPr/>
+          <a:lstStyle/>
+          <a:p>
+            <a:r>
+              <a:rPr lang="en-US" dirty="0" smtClean="0"/>
+              <a:t>Flow analysis</a:t>
+            </a:r>
+            <a:endParaRPr lang="en-US" dirty="0"/>
+          </a:p>
+        </p:txBody>
+      </p:sp>
+      <p:sp>
+        <p:nvSpPr>
+          <p:cNvPr id="3" name="Content Placeholder 2"/>
+          <p:cNvSpPr>
+            <a:spLocks noGrp="1"/>
+          </p:cNvSpPr>
+          <p:nvPr>
+            <p:ph idx="1"/>
+          </p:nvPr>
+        </p:nvSpPr>
+        <p:spPr/>
+        <p:txBody>
+          <a:bodyPr>
+            <a:normAutofit/>
+          </a:bodyPr>
+          <a:lstStyle/>
+          <a:p>
+            <a:r>
+              <a:rPr lang="en-US" dirty="0" smtClean="0"/>
+              <a:t>Example:</a:t>
+            </a:r>
+          </a:p>
+          <a:p>
+            <a:pPr marL="336550" lvl="1" indent="0">
+              <a:buNone/>
+            </a:pPr>
+            <a:r>
+              <a:rPr lang="en-US" sz="1300" dirty="0"/>
+              <a:t>$  </a:t>
+            </a:r>
+            <a:r>
+              <a:rPr lang="en-US" sz="1300" dirty="0" err="1"/>
+              <a:t>pcapcat</a:t>
+            </a:r>
+            <a:r>
+              <a:rPr lang="en-US" sz="1300" dirty="0"/>
+              <a:t>  -r  evidence01.pcap</a:t>
+            </a:r>
+          </a:p>
+          <a:p>
+            <a:pPr marL="336550" lvl="1" indent="0">
+              <a:buNone/>
+            </a:pPr>
+            <a:r>
+              <a:rPr lang="en-US" sz="1300" dirty="0" smtClean="0"/>
+              <a:t>[</a:t>
+            </a:r>
+            <a:r>
+              <a:rPr lang="en-US" sz="1300" dirty="0"/>
+              <a:t>1]  TCP  192.168.1.2:54419  -&gt;  192.168.1.157:80</a:t>
+            </a:r>
+          </a:p>
+          <a:p>
+            <a:pPr marL="336550" lvl="1" indent="0">
+              <a:buNone/>
+            </a:pPr>
+            <a:r>
+              <a:rPr lang="en-US" sz="1300" dirty="0" smtClean="0"/>
+              <a:t>[</a:t>
+            </a:r>
+            <a:r>
+              <a:rPr lang="en-US" sz="1300" dirty="0"/>
+              <a:t>2]  TCP  192.168.1.159:1271  -&gt;  205.188.13.12:443</a:t>
+            </a:r>
+          </a:p>
+          <a:p>
+            <a:pPr marL="336550" lvl="1" indent="0">
+              <a:buNone/>
+            </a:pPr>
+            <a:r>
+              <a:rPr lang="en-US" sz="1300" dirty="0" smtClean="0"/>
+              <a:t>[</a:t>
+            </a:r>
+            <a:r>
+              <a:rPr lang="en-US" sz="1300" dirty="0"/>
+              <a:t>3]  TCP  192.168.1.159:1272  -&gt;  192.168.1.158:5190</a:t>
+            </a:r>
+          </a:p>
+          <a:p>
+            <a:pPr marL="336550" lvl="1" indent="0">
+              <a:buNone/>
+            </a:pPr>
+            <a:r>
+              <a:rPr lang="en-US" sz="1300" dirty="0" smtClean="0"/>
+              <a:t>[</a:t>
+            </a:r>
+            <a:r>
+              <a:rPr lang="en-US" sz="1300" dirty="0"/>
+              <a:t>4]  TCP  192.168.1.159:1273  -&gt;  64.236.68.246:80</a:t>
+            </a:r>
+          </a:p>
+          <a:p>
+            <a:pPr marL="336550" lvl="1" indent="0">
+              <a:buNone/>
+            </a:pPr>
+            <a:r>
+              <a:rPr lang="en-US" sz="1300" dirty="0" smtClean="0"/>
+              <a:t>Enter  </a:t>
+            </a:r>
+            <a:r>
+              <a:rPr lang="en-US" sz="1300" dirty="0"/>
+              <a:t>the  index  number  of  the  conversation  to  dump  or  press  enter  to  quit:</a:t>
+            </a:r>
+          </a:p>
+        </p:txBody>
+      </p:sp>
+    </p:spTree>
+    <p:extLst>
+      <p:ext uri="{BB962C8B-B14F-4D97-AF65-F5344CB8AC3E}">
+        <p14:creationId xmlns:p14="http://schemas.microsoft.com/office/powerpoint/2010/main" val="55686737"/>
+      </p:ext>
+    </p:extLst>
+  </p:cSld>
+  <p:clrMapOvr>
+    <a:masterClrMapping/>
+  </p:clrMapOvr>
+</p:sld>
+</file>
+
+<file path=ppt/slides/slide34.xml><?xml version="1.0" encoding="utf-8"?>
+<p:sld xmlns:a="http://schemas.openxmlformats.org/drawingml/2006/main" xmlns:r="http://schemas.openxmlformats.org/officeDocument/2006/relationships" xmlns:p="http://schemas.openxmlformats.org/presentationml/2006/main">
+  <p:cSld>
+    <p:spTree>
+      <p:nvGrpSpPr>
+        <p:cNvPr id="1" name=""/>
+        <p:cNvGrpSpPr/>
+        <p:nvPr/>
+      </p:nvGrpSpPr>
+      <p:grpSpPr>
+        <a:xfrm>
+          <a:off x="0" y="0"/>
+          <a:ext cx="0" cy="0"/>
+          <a:chOff x="0" y="0"/>
+          <a:chExt cx="0" cy="0"/>
+        </a:xfrm>
+      </p:grpSpPr>
+      <p:sp>
+        <p:nvSpPr>
+          <p:cNvPr id="2" name="Title 1"/>
+          <p:cNvSpPr>
+            <a:spLocks noGrp="1"/>
+          </p:cNvSpPr>
+          <p:nvPr>
+            <p:ph type="title"/>
+          </p:nvPr>
+        </p:nvSpPr>
+        <p:spPr/>
+        <p:txBody>
+          <a:bodyPr/>
+          <a:lstStyle/>
+          <a:p>
+            <a:r>
+              <a:rPr lang="en-US" dirty="0" smtClean="0"/>
+              <a:t>Higher-Layer Traffic Analysis</a:t>
+            </a:r>
+            <a:endParaRPr lang="en-US" dirty="0"/>
+          </a:p>
+        </p:txBody>
+      </p:sp>
+      <p:sp>
+        <p:nvSpPr>
+          <p:cNvPr id="3" name="Content Placeholder 2"/>
+          <p:cNvSpPr>
+            <a:spLocks noGrp="1"/>
+          </p:cNvSpPr>
+          <p:nvPr>
+            <p:ph idx="1"/>
+          </p:nvPr>
+        </p:nvSpPr>
+        <p:spPr/>
+        <p:txBody>
+          <a:bodyPr>
+            <a:normAutofit fontScale="77500" lnSpcReduction="20000"/>
+          </a:bodyPr>
+          <a:lstStyle/>
+          <a:p>
+            <a:r>
+              <a:rPr lang="en-US" dirty="0" smtClean="0"/>
+              <a:t>HTTP:</a:t>
+            </a:r>
+          </a:p>
+          <a:p>
+            <a:pPr lvl="1"/>
+            <a:r>
+              <a:rPr lang="en-US" b="1" dirty="0" smtClean="0"/>
+              <a:t>OPTIONS</a:t>
+            </a:r>
+            <a:r>
+              <a:rPr lang="en-US" dirty="0"/>
+              <a:t>—Obtain information about communicating with the remote </a:t>
+            </a:r>
+            <a:r>
+              <a:rPr lang="en-US" dirty="0" smtClean="0"/>
+              <a:t>server.</a:t>
+            </a:r>
+          </a:p>
+          <a:p>
+            <a:pPr lvl="1"/>
+            <a:r>
+              <a:rPr lang="en-US" b="1" dirty="0" smtClean="0"/>
+              <a:t>GET</a:t>
+            </a:r>
+            <a:r>
+              <a:rPr lang="en-US" dirty="0" smtClean="0"/>
+              <a:t>—</a:t>
+            </a:r>
+            <a:r>
+              <a:rPr lang="en-US" dirty="0"/>
+              <a:t>Retrieve the information identiﬁed by the </a:t>
+            </a:r>
+            <a:r>
+              <a:rPr lang="en-US" dirty="0" smtClean="0"/>
+              <a:t>URI.</a:t>
+            </a:r>
+          </a:p>
+          <a:p>
+            <a:pPr lvl="1"/>
+            <a:r>
+              <a:rPr lang="en-US" b="1" dirty="0" smtClean="0"/>
+              <a:t>HEAD</a:t>
+            </a:r>
+            <a:r>
+              <a:rPr lang="en-US" dirty="0"/>
+              <a:t>—Retrieve the information identiﬁed by the URI, without returning a </a:t>
+            </a:r>
+            <a:r>
+              <a:rPr lang="en-US" dirty="0" smtClean="0"/>
+              <a:t>message</a:t>
+            </a:r>
+            <a:r>
+              <a:rPr lang="en-US" dirty="0"/>
+              <a:t> </a:t>
+            </a:r>
+            <a:r>
+              <a:rPr lang="en-US" dirty="0" smtClean="0"/>
+              <a:t>body</a:t>
+            </a:r>
+            <a:r>
+              <a:rPr lang="en-US" dirty="0"/>
+              <a:t>. Helpful for URI validation and debugging</a:t>
+            </a:r>
+            <a:r>
+              <a:rPr lang="en-US" dirty="0" smtClean="0"/>
+              <a:t>.</a:t>
+            </a:r>
+          </a:p>
+          <a:p>
+            <a:pPr lvl="1"/>
+            <a:r>
+              <a:rPr lang="en-US" b="1" dirty="0"/>
+              <a:t>POST</a:t>
+            </a:r>
+            <a:r>
+              <a:rPr lang="en-US" dirty="0"/>
+              <a:t>—Send data to the resource speciﬁed by the URI for processing</a:t>
+            </a:r>
+            <a:r>
+              <a:rPr lang="en-US" dirty="0" smtClean="0"/>
+              <a:t>.</a:t>
+            </a:r>
+          </a:p>
+          <a:p>
+            <a:pPr lvl="1"/>
+            <a:r>
+              <a:rPr lang="en-US" b="1" dirty="0" smtClean="0"/>
+              <a:t>PUT</a:t>
+            </a:r>
+            <a:r>
+              <a:rPr lang="en-US" dirty="0"/>
+              <a:t>—Upload information to be stored under the speciﬁed </a:t>
+            </a:r>
+            <a:r>
+              <a:rPr lang="en-US" dirty="0" smtClean="0"/>
+              <a:t>URI.</a:t>
+            </a:r>
+          </a:p>
+          <a:p>
+            <a:pPr lvl="1"/>
+            <a:r>
+              <a:rPr lang="en-US" b="1" dirty="0" smtClean="0"/>
+              <a:t>DELETE</a:t>
+            </a:r>
+            <a:r>
+              <a:rPr lang="en-US" dirty="0"/>
+              <a:t>—Delete the resource speciﬁed by the </a:t>
+            </a:r>
+            <a:r>
+              <a:rPr lang="en-US" dirty="0" smtClean="0"/>
+              <a:t>URI.</a:t>
+            </a:r>
+          </a:p>
+          <a:p>
+            <a:pPr lvl="1"/>
+            <a:r>
+              <a:rPr lang="en-US" b="1" dirty="0" smtClean="0"/>
+              <a:t>TRACE</a:t>
+            </a:r>
+            <a:r>
+              <a:rPr lang="en-US" dirty="0"/>
+              <a:t>—Echo a request message back to the client. Helpful for debugging (can </a:t>
+            </a:r>
+            <a:r>
+              <a:rPr lang="en-US" dirty="0" smtClean="0"/>
+              <a:t>also facilitate </a:t>
+            </a:r>
+            <a:r>
+              <a:rPr lang="en-US" dirty="0"/>
+              <a:t>cross-site scripting attacks)</a:t>
+            </a:r>
+            <a:r>
+              <a:rPr lang="en-US" dirty="0" smtClean="0"/>
+              <a:t>.</a:t>
+            </a:r>
+          </a:p>
+          <a:p>
+            <a:pPr lvl="1"/>
+            <a:r>
+              <a:rPr lang="en-US" b="1" dirty="0" smtClean="0"/>
+              <a:t>CONNECT</a:t>
+            </a:r>
+            <a:r>
+              <a:rPr lang="en-US" dirty="0"/>
+              <a:t>—Reserved “for use with a proxy that can dynamically switch to </a:t>
+            </a:r>
+            <a:r>
+              <a:rPr lang="en-US" dirty="0" smtClean="0"/>
+              <a:t>being a </a:t>
+            </a:r>
+            <a:r>
+              <a:rPr lang="en-US" dirty="0"/>
+              <a:t>tunnel.”</a:t>
+            </a:r>
+          </a:p>
+        </p:txBody>
+      </p:sp>
+    </p:spTree>
+    <p:extLst>
+      <p:ext uri="{BB962C8B-B14F-4D97-AF65-F5344CB8AC3E}">
+        <p14:creationId xmlns:p14="http://schemas.microsoft.com/office/powerpoint/2010/main" val="21887942"/>
+      </p:ext>
+    </p:extLst>
+  </p:cSld>
+  <p:clrMapOvr>
+    <a:masterClrMapping/>
+  </p:clrMapOvr>
+</p:sld>
+</file>
+
+<file path=ppt/slides/slide35.xml><?xml version="1.0" encoding="utf-8"?>
+<p:sld xmlns:a="http://schemas.openxmlformats.org/drawingml/2006/main" xmlns:r="http://schemas.openxmlformats.org/officeDocument/2006/relationships" xmlns:p="http://schemas.openxmlformats.org/presentationml/2006/main">
+  <p:cSld>
+    <p:spTree>
+      <p:nvGrpSpPr>
+        <p:cNvPr id="1" name=""/>
+        <p:cNvGrpSpPr/>
+        <p:nvPr/>
+      </p:nvGrpSpPr>
+      <p:grpSpPr>
+        <a:xfrm>
+          <a:off x="0" y="0"/>
+          <a:ext cx="0" cy="0"/>
+          <a:chOff x="0" y="0"/>
+          <a:chExt cx="0" cy="0"/>
+        </a:xfrm>
+      </p:grpSpPr>
+      <p:sp>
+        <p:nvSpPr>
+          <p:cNvPr id="2" name="Title 1"/>
+          <p:cNvSpPr>
+            <a:spLocks noGrp="1"/>
+          </p:cNvSpPr>
+          <p:nvPr>
+            <p:ph type="title"/>
+          </p:nvPr>
+        </p:nvSpPr>
+        <p:spPr/>
+        <p:txBody>
+          <a:bodyPr/>
+          <a:lstStyle/>
+          <a:p>
+            <a:r>
+              <a:rPr lang="en-US" dirty="0"/>
+              <a:t>Higher-Layer Traffic Analysis</a:t>
+            </a:r>
+          </a:p>
+        </p:txBody>
+      </p:sp>
+      <p:sp>
+        <p:nvSpPr>
+          <p:cNvPr id="3" name="Content Placeholder 2"/>
+          <p:cNvSpPr>
+            <a:spLocks noGrp="1"/>
+          </p:cNvSpPr>
+          <p:nvPr>
+            <p:ph idx="1"/>
+          </p:nvPr>
+        </p:nvSpPr>
+        <p:spPr/>
+        <p:txBody>
+          <a:bodyPr>
+            <a:normAutofit/>
+          </a:bodyPr>
+          <a:lstStyle/>
+          <a:p>
+            <a:r>
+              <a:rPr lang="en-US" dirty="0" smtClean="0"/>
+              <a:t>DHCP:</a:t>
+            </a:r>
+          </a:p>
+          <a:p>
+            <a:pPr lvl="1"/>
+            <a:r>
+              <a:rPr lang="en-US" dirty="0"/>
+              <a:t>MAC Addresses  As discussed, every network card on an Ethernet network has a 6-</a:t>
+            </a:r>
+            <a:r>
+              <a:rPr lang="en-US" dirty="0" smtClean="0"/>
+              <a:t>byte MAC </a:t>
+            </a:r>
+            <a:r>
+              <a:rPr lang="en-US" dirty="0"/>
+              <a:t>address, assigned by the manufacturer</a:t>
+            </a:r>
+            <a:r>
+              <a:rPr lang="en-US" dirty="0" smtClean="0"/>
+              <a:t>.</a:t>
+            </a:r>
+          </a:p>
+          <a:p>
+            <a:pPr lvl="2"/>
+            <a:r>
+              <a:rPr lang="en-US" dirty="0" smtClean="0"/>
+              <a:t>Can be spoofed*!</a:t>
+            </a:r>
+          </a:p>
+          <a:p>
+            <a:pPr lvl="1"/>
+            <a:r>
+              <a:rPr lang="en-US" dirty="0" smtClean="0"/>
+              <a:t>Conversation:</a:t>
+            </a:r>
+          </a:p>
+          <a:p>
+            <a:pPr lvl="2"/>
+            <a:r>
+              <a:rPr lang="en-US" dirty="0" smtClean="0"/>
+              <a:t>Client</a:t>
+            </a:r>
+            <a:r>
+              <a:rPr lang="en-US" dirty="0"/>
+              <a:t>: DHCPDISCOVER (Layer 2 broadcast</a:t>
+            </a:r>
+            <a:r>
+              <a:rPr lang="en-US" dirty="0" smtClean="0"/>
+              <a:t>)</a:t>
+            </a:r>
+          </a:p>
+          <a:p>
+            <a:pPr lvl="2"/>
+            <a:r>
+              <a:rPr lang="en-US" dirty="0" smtClean="0"/>
+              <a:t>Server</a:t>
+            </a:r>
+            <a:r>
+              <a:rPr lang="en-US" dirty="0"/>
+              <a:t>: </a:t>
+            </a:r>
+            <a:r>
+              <a:rPr lang="en-US" dirty="0" smtClean="0"/>
+              <a:t>DHCPOFFER</a:t>
+            </a:r>
+          </a:p>
+          <a:p>
+            <a:pPr lvl="2"/>
+            <a:r>
+              <a:rPr lang="en-US" dirty="0" smtClean="0"/>
+              <a:t>Client</a:t>
+            </a:r>
+            <a:r>
+              <a:rPr lang="en-US" dirty="0"/>
+              <a:t>: </a:t>
+            </a:r>
+            <a:r>
+              <a:rPr lang="en-US" dirty="0" smtClean="0"/>
+              <a:t>DHCPREQUEST</a:t>
+            </a:r>
+          </a:p>
+          <a:p>
+            <a:pPr lvl="2"/>
+            <a:r>
+              <a:rPr lang="en-US" dirty="0" smtClean="0"/>
+              <a:t>Server</a:t>
+            </a:r>
+            <a:r>
+              <a:rPr lang="en-US" dirty="0"/>
+              <a:t>: DHCPACK</a:t>
+            </a:r>
+          </a:p>
+        </p:txBody>
+      </p:sp>
+    </p:spTree>
+    <p:extLst>
+      <p:ext uri="{BB962C8B-B14F-4D97-AF65-F5344CB8AC3E}">
+        <p14:creationId xmlns:p14="http://schemas.microsoft.com/office/powerpoint/2010/main" val="1062443888"/>
+      </p:ext>
+    </p:extLst>
+  </p:cSld>
+  <p:clrMapOvr>
+    <a:masterClrMapping/>
+  </p:clrMapOvr>
+</p:sld>
+</file>
+
+<file path=ppt/slides/slide36.xml><?xml version="1.0" encoding="utf-8"?>
+<p:sld xmlns:a="http://schemas.openxmlformats.org/drawingml/2006/main" xmlns:r="http://schemas.openxmlformats.org/officeDocument/2006/relationships" xmlns:p="http://schemas.openxmlformats.org/presentationml/2006/main">
+  <p:cSld>
+    <p:spTree>
+      <p:nvGrpSpPr>
+        <p:cNvPr id="1" name=""/>
+        <p:cNvGrpSpPr/>
+        <p:nvPr/>
+      </p:nvGrpSpPr>
+      <p:grpSpPr>
+        <a:xfrm>
+          <a:off x="0" y="0"/>
+          <a:ext cx="0" cy="0"/>
+          <a:chOff x="0" y="0"/>
+          <a:chExt cx="0" cy="0"/>
+        </a:xfrm>
+      </p:grpSpPr>
+      <p:sp>
+        <p:nvSpPr>
+          <p:cNvPr id="2" name="Title 1"/>
+          <p:cNvSpPr>
+            <a:spLocks noGrp="1"/>
+          </p:cNvSpPr>
+          <p:nvPr>
+            <p:ph type="title"/>
+          </p:nvPr>
+        </p:nvSpPr>
+        <p:spPr/>
+        <p:txBody>
+          <a:bodyPr/>
+          <a:lstStyle/>
+          <a:p>
+            <a:r>
+              <a:rPr lang="en-US" dirty="0"/>
+              <a:t>Higher-Layer Traffic Analysis</a:t>
+            </a:r>
+          </a:p>
+        </p:txBody>
+      </p:sp>
+      <p:sp>
+        <p:nvSpPr>
+          <p:cNvPr id="3" name="Content Placeholder 2"/>
+          <p:cNvSpPr>
+            <a:spLocks noGrp="1"/>
+          </p:cNvSpPr>
+          <p:nvPr>
+            <p:ph idx="1"/>
+          </p:nvPr>
+        </p:nvSpPr>
+        <p:spPr/>
+        <p:txBody>
+          <a:bodyPr>
+            <a:normAutofit/>
+          </a:bodyPr>
+          <a:lstStyle/>
+          <a:p>
+            <a:r>
+              <a:rPr lang="en-US" dirty="0" smtClean="0"/>
+              <a:t>SMTP:</a:t>
+            </a:r>
+          </a:p>
+          <a:p>
+            <a:pPr lvl="1"/>
+            <a:r>
+              <a:rPr lang="en-US" dirty="0"/>
+              <a:t>HELO—Opens the </a:t>
+            </a:r>
+            <a:r>
+              <a:rPr lang="en-US" dirty="0" smtClean="0"/>
+              <a:t>connection</a:t>
+            </a:r>
+          </a:p>
+          <a:p>
+            <a:pPr lvl="1"/>
+            <a:r>
+              <a:rPr lang="en-US" dirty="0" smtClean="0"/>
+              <a:t>MAIL</a:t>
+            </a:r>
+            <a:r>
+              <a:rPr lang="en-US" dirty="0"/>
+              <a:t>—Speciﬁes the return </a:t>
+            </a:r>
+            <a:r>
+              <a:rPr lang="en-US" dirty="0" smtClean="0"/>
+              <a:t>address</a:t>
+            </a:r>
+          </a:p>
+          <a:p>
+            <a:pPr lvl="1"/>
+            <a:r>
+              <a:rPr lang="en-US" dirty="0" smtClean="0"/>
+              <a:t>RCPT</a:t>
+            </a:r>
+            <a:r>
+              <a:rPr lang="en-US" dirty="0"/>
+              <a:t>—Speciﬁes the recipient address(</a:t>
+            </a:r>
+            <a:r>
+              <a:rPr lang="en-US" dirty="0" err="1"/>
+              <a:t>es</a:t>
+            </a:r>
+            <a:r>
+              <a:rPr lang="en-US" dirty="0" smtClean="0"/>
+              <a:t>)</a:t>
+            </a:r>
+          </a:p>
+          <a:p>
+            <a:pPr lvl="1"/>
+            <a:r>
+              <a:rPr lang="en-US" dirty="0" smtClean="0"/>
+              <a:t>DATA</a:t>
+            </a:r>
+            <a:r>
+              <a:rPr lang="en-US" dirty="0"/>
+              <a:t>—The contents of the message. This includes the message header and </a:t>
+            </a:r>
+            <a:r>
+              <a:rPr lang="en-US" dirty="0" smtClean="0"/>
+              <a:t>the message </a:t>
+            </a:r>
+            <a:r>
+              <a:rPr lang="en-US" dirty="0"/>
+              <a:t>body. </a:t>
+            </a:r>
+          </a:p>
+        </p:txBody>
+      </p:sp>
+    </p:spTree>
+    <p:extLst>
+      <p:ext uri="{BB962C8B-B14F-4D97-AF65-F5344CB8AC3E}">
+        <p14:creationId xmlns:p14="http://schemas.microsoft.com/office/powerpoint/2010/main" val="63520189"/>
+      </p:ext>
+    </p:extLst>
+  </p:cSld>
+  <p:clrMapOvr>
+    <a:masterClrMapping/>
+  </p:clrMapOvr>
+</p:sld>
+</file>
+
+<file path=ppt/slides/slide37.xml><?xml version="1.0" encoding="utf-8"?>
+<p:sld xmlns:a="http://schemas.openxmlformats.org/drawingml/2006/main" xmlns:r="http://schemas.openxmlformats.org/officeDocument/2006/relationships" xmlns:p="http://schemas.openxmlformats.org/presentationml/2006/main">
+  <p:cSld>
+    <p:spTree>
+      <p:nvGrpSpPr>
+        <p:cNvPr id="1" name=""/>
+        <p:cNvGrpSpPr/>
+        <p:nvPr/>
+      </p:nvGrpSpPr>
+      <p:grpSpPr>
+        <a:xfrm>
+          <a:off x="0" y="0"/>
+          <a:ext cx="0" cy="0"/>
+          <a:chOff x="0" y="0"/>
+          <a:chExt cx="0" cy="0"/>
+        </a:xfrm>
+      </p:grpSpPr>
+      <p:sp>
+        <p:nvSpPr>
+          <p:cNvPr id="2" name="Title 1"/>
+          <p:cNvSpPr>
+            <a:spLocks noGrp="1"/>
+          </p:cNvSpPr>
+          <p:nvPr>
+            <p:ph type="title"/>
+          </p:nvPr>
+        </p:nvSpPr>
+        <p:spPr/>
+        <p:txBody>
+          <a:bodyPr/>
+          <a:lstStyle/>
+          <a:p>
+            <a:r>
+              <a:rPr lang="en-US" dirty="0"/>
+              <a:t>Higher-Layer Traffic Analysis</a:t>
+            </a:r>
+          </a:p>
+        </p:txBody>
+      </p:sp>
+      <p:sp>
+        <p:nvSpPr>
+          <p:cNvPr id="3" name="Content Placeholder 2"/>
+          <p:cNvSpPr>
+            <a:spLocks noGrp="1"/>
+          </p:cNvSpPr>
+          <p:nvPr>
+            <p:ph idx="1"/>
+          </p:nvPr>
+        </p:nvSpPr>
+        <p:spPr/>
+        <p:txBody>
+          <a:bodyPr/>
+          <a:lstStyle/>
+          <a:p>
+            <a:r>
+              <a:rPr lang="en-US" dirty="0" smtClean="0"/>
+              <a:t>DNS:</a:t>
+            </a:r>
+          </a:p>
+          <a:p>
+            <a:pPr lvl="1"/>
+            <a:r>
+              <a:rPr lang="en-US" dirty="0"/>
+              <a:t>DNS Recursion  DNS queries that seek to map names to IP addresses (which is the </a:t>
+            </a:r>
+            <a:r>
+              <a:rPr lang="en-US" dirty="0" smtClean="0"/>
+              <a:t>most common </a:t>
+            </a:r>
+            <a:r>
+              <a:rPr lang="en-US" dirty="0"/>
+              <a:t>case) start out with a client making a query of the server it considers to be </a:t>
+            </a:r>
+            <a:r>
+              <a:rPr lang="en-US" dirty="0" smtClean="0"/>
+              <a:t>most knowledgeable.</a:t>
+            </a:r>
+          </a:p>
+          <a:p>
+            <a:pPr lvl="1"/>
+            <a:r>
+              <a:rPr lang="en-US" dirty="0"/>
+              <a:t>DNS Queries  It can be extremely important to collect name-to-address mapping. </a:t>
+            </a:r>
+            <a:endParaRPr lang="en-US" dirty="0" smtClean="0"/>
+          </a:p>
+          <a:p>
+            <a:pPr lvl="1"/>
+            <a:r>
+              <a:rPr lang="en-US" dirty="0"/>
+              <a:t>$  dig  </a:t>
+            </a:r>
+            <a:r>
+              <a:rPr lang="en-US" dirty="0" err="1"/>
+              <a:t>www.google.com</a:t>
+            </a:r>
+            <a:endParaRPr lang="en-US" dirty="0"/>
+          </a:p>
+        </p:txBody>
+      </p:sp>
+    </p:spTree>
+    <p:extLst>
+      <p:ext uri="{BB962C8B-B14F-4D97-AF65-F5344CB8AC3E}">
+        <p14:creationId xmlns:p14="http://schemas.microsoft.com/office/powerpoint/2010/main" val="3824537923"/>
+      </p:ext>
+    </p:extLst>
+  </p:cSld>
+  <p:clrMapOvr>
+    <a:masterClrMapping/>
+  </p:clrMapOvr>
+</p:sld>
+</file>
+
+<file path=ppt/slides/slide38.xml><?xml version="1.0" encoding="utf-8"?>
+<p:sld xmlns:a="http://schemas.openxmlformats.org/drawingml/2006/main" xmlns:r="http://schemas.openxmlformats.org/officeDocument/2006/relationships" xmlns:p="http://schemas.openxmlformats.org/presentationml/2006/main">
+  <p:cSld>
+    <p:spTree>
+      <p:nvGrpSpPr>
+        <p:cNvPr id="1" name=""/>
+        <p:cNvGrpSpPr/>
+        <p:nvPr/>
+      </p:nvGrpSpPr>
+      <p:grpSpPr>
+        <a:xfrm>
+          <a:off x="0" y="0"/>
+          <a:ext cx="0" cy="0"/>
+          <a:chOff x="0" y="0"/>
+          <a:chExt cx="0" cy="0"/>
+        </a:xfrm>
+      </p:grpSpPr>
+      <p:sp>
+        <p:nvSpPr>
+          <p:cNvPr id="2" name="Title 1"/>
+          <p:cNvSpPr>
+            <a:spLocks noGrp="1"/>
+          </p:cNvSpPr>
+          <p:nvPr>
+            <p:ph type="title"/>
+          </p:nvPr>
+        </p:nvSpPr>
+        <p:spPr/>
+        <p:txBody>
+          <a:bodyPr/>
+          <a:lstStyle/>
+          <a:p>
+            <a:r>
+              <a:rPr lang="en-US" dirty="0"/>
+              <a:t>Higher-Layer Traffic Analysis</a:t>
+            </a:r>
+          </a:p>
+        </p:txBody>
+      </p:sp>
+      <p:sp>
+        <p:nvSpPr>
+          <p:cNvPr id="3" name="Content Placeholder 2"/>
+          <p:cNvSpPr>
+            <a:spLocks noGrp="1"/>
+          </p:cNvSpPr>
+          <p:nvPr>
+            <p:ph idx="1"/>
+          </p:nvPr>
+        </p:nvSpPr>
+        <p:spPr/>
+        <p:txBody>
+          <a:bodyPr/>
+          <a:lstStyle/>
+          <a:p>
+            <a:r>
+              <a:rPr lang="en-US" dirty="0" smtClean="0"/>
+              <a:t>Tools:</a:t>
+            </a:r>
+          </a:p>
+          <a:p>
+            <a:pPr lvl="1"/>
+            <a:r>
+              <a:rPr lang="en-US" dirty="0" err="1" smtClean="0"/>
+              <a:t>Oftcat</a:t>
+            </a:r>
+            <a:r>
+              <a:rPr lang="en-US" dirty="0" smtClean="0"/>
+              <a:t>:</a:t>
+            </a:r>
+          </a:p>
+          <a:p>
+            <a:pPr lvl="2"/>
+            <a:r>
+              <a:rPr lang="en-US" dirty="0" smtClean="0"/>
+              <a:t>OFT protocol dissector and data carving tool.</a:t>
+            </a:r>
+          </a:p>
+          <a:p>
+            <a:pPr lvl="1"/>
+            <a:r>
+              <a:rPr lang="en-US" dirty="0" err="1" smtClean="0"/>
+              <a:t>Smtpdump</a:t>
+            </a:r>
+            <a:r>
+              <a:rPr lang="en-US" dirty="0" smtClean="0"/>
+              <a:t>:</a:t>
+            </a:r>
+          </a:p>
+          <a:p>
+            <a:pPr lvl="2"/>
+            <a:r>
+              <a:rPr lang="en-US" dirty="0"/>
+              <a:t>$  </a:t>
+            </a:r>
+            <a:r>
+              <a:rPr lang="en-US" dirty="0" err="1" smtClean="0"/>
+              <a:t>smtpdump</a:t>
+            </a:r>
+            <a:r>
+              <a:rPr lang="en-US" dirty="0" smtClean="0"/>
+              <a:t> –[</a:t>
+            </a:r>
+            <a:r>
+              <a:rPr lang="en-US" dirty="0" err="1" smtClean="0"/>
+              <a:t>AebXmsfrch</a:t>
+            </a:r>
+            <a:r>
+              <a:rPr lang="en-US" dirty="0" smtClean="0"/>
+              <a:t>]</a:t>
+            </a:r>
+          </a:p>
+          <a:p>
+            <a:pPr lvl="1"/>
+            <a:r>
+              <a:rPr lang="en-US" dirty="0" err="1" smtClean="0"/>
+              <a:t>Findsmtpinfo.py</a:t>
+            </a:r>
+            <a:endParaRPr lang="en-US" dirty="0" smtClean="0"/>
+          </a:p>
+          <a:p>
+            <a:pPr lvl="2"/>
+            <a:r>
+              <a:rPr lang="en-US" dirty="0" err="1"/>
+              <a:t>findsmtpinfo.py</a:t>
+            </a:r>
+            <a:r>
+              <a:rPr lang="en-US" dirty="0"/>
+              <a:t>  -p  evidence02.pcap  -r  ./</a:t>
+            </a:r>
+            <a:r>
+              <a:rPr lang="en-US" dirty="0" smtClean="0"/>
+              <a:t>report</a:t>
+            </a:r>
+          </a:p>
+          <a:p>
+            <a:pPr lvl="1"/>
+            <a:r>
+              <a:rPr lang="en-US" dirty="0" err="1" smtClean="0"/>
+              <a:t>NetworkMiner</a:t>
+            </a:r>
+            <a:endParaRPr lang="en-US" dirty="0"/>
+          </a:p>
+        </p:txBody>
+      </p:sp>
+    </p:spTree>
+    <p:extLst>
+      <p:ext uri="{BB962C8B-B14F-4D97-AF65-F5344CB8AC3E}">
+        <p14:creationId xmlns:p14="http://schemas.microsoft.com/office/powerpoint/2010/main" val="3151644427"/>
+      </p:ext>
+    </p:extLst>
+  </p:cSld>
+  <p:clrMapOvr>
+    <a:masterClrMapping/>
+  </p:clrMapOvr>
+</p:sld>
+</file>
+
+<file path=ppt/slides/slide39.xml><?xml version="1.0" encoding="utf-8"?>
+<p:sld xmlns:a="http://schemas.openxmlformats.org/drawingml/2006/main" xmlns:r="http://schemas.openxmlformats.org/officeDocument/2006/relationships" xmlns:p="http://schemas.openxmlformats.org/presentationml/2006/main">
+  <p:cSld>
+    <p:spTree>
+      <p:nvGrpSpPr>
+        <p:cNvPr id="1" name=""/>
+        <p:cNvGrpSpPr/>
+        <p:nvPr/>
+      </p:nvGrpSpPr>
+      <p:grpSpPr>
+        <a:xfrm>
+          <a:off x="0" y="0"/>
+          <a:ext cx="0" cy="0"/>
+          <a:chOff x="0" y="0"/>
+          <a:chExt cx="0" cy="0"/>
+        </a:xfrm>
+      </p:grpSpPr>
+      <p:sp>
+        <p:nvSpPr>
+          <p:cNvPr id="2" name="Title 1"/>
+          <p:cNvSpPr>
+            <a:spLocks noGrp="1"/>
+          </p:cNvSpPr>
+          <p:nvPr>
+            <p:ph type="title"/>
+          </p:nvPr>
+        </p:nvSpPr>
+        <p:spPr/>
+        <p:txBody>
+          <a:bodyPr/>
+          <a:lstStyle/>
+          <a:p>
+            <a:r>
+              <a:rPr lang="en-US" dirty="0"/>
+              <a:t>Higher-Layer Traffic Analysis</a:t>
+            </a:r>
+          </a:p>
+        </p:txBody>
+      </p:sp>
+      <p:sp>
+        <p:nvSpPr>
+          <p:cNvPr id="3" name="Content Placeholder 2"/>
+          <p:cNvSpPr>
+            <a:spLocks noGrp="1"/>
+          </p:cNvSpPr>
+          <p:nvPr>
+            <p:ph idx="1"/>
+          </p:nvPr>
+        </p:nvSpPr>
+        <p:spPr>
+          <a:xfrm>
+            <a:off x="549275" y="1600201"/>
+            <a:ext cx="8042276" cy="1616772"/>
+          </a:xfrm>
+        </p:spPr>
+        <p:txBody>
+          <a:bodyPr>
+            <a:normAutofit fontScale="92500"/>
+          </a:bodyPr>
+          <a:lstStyle/>
+          <a:p>
+            <a:r>
+              <a:rPr lang="en-US" dirty="0"/>
+              <a:t>Use small, specialized tools that are each speciﬁcally designed to analyze a </a:t>
+            </a:r>
+            <a:r>
+              <a:rPr lang="en-US" dirty="0" smtClean="0"/>
+              <a:t>particular higher</a:t>
+            </a:r>
+            <a:r>
+              <a:rPr lang="en-US" dirty="0"/>
+              <a:t>-layer protocol; </a:t>
+            </a:r>
+            <a:endParaRPr lang="en-US" dirty="0" smtClean="0"/>
+          </a:p>
+          <a:p>
+            <a:pPr lvl="1"/>
+            <a:r>
+              <a:rPr lang="ro-RO" dirty="0"/>
+              <a:t>$  oftcat  -r </a:t>
+            </a:r>
+            <a:r>
+              <a:rPr lang="ro-RO" dirty="0" smtClean="0"/>
+              <a:t>192.168.001.158.05190</a:t>
+            </a:r>
+            <a:r>
+              <a:rPr lang="ro-RO" dirty="0"/>
+              <a:t>-</a:t>
+            </a:r>
+            <a:r>
+              <a:rPr lang="ro-RO" dirty="0" smtClean="0"/>
+              <a:t>192.168.001.159.01272</a:t>
+            </a:r>
+            <a:endParaRPr lang="en-US" dirty="0" smtClean="0"/>
+          </a:p>
+        </p:txBody>
+      </p:sp>
+      <p:pic>
+        <p:nvPicPr>
+          <p:cNvPr id="4" name="Picture 3" descr="getfile.jpg"/>
+          <p:cNvPicPr>
+            <a:picLocks noChangeAspect="1"/>
+          </p:cNvPicPr>
+          <p:nvPr/>
+        </p:nvPicPr>
+        <p:blipFill>
+          <a:blip r:embed="rId2">
+            <a:extLst>
+              <a:ext uri="{28A0092B-C50C-407E-A947-70E740481C1C}">
+                <a14:useLocalDpi xmlns:a14="http://schemas.microsoft.com/office/drawing/2010/main" val="0"/>
+              </a:ext>
+            </a:extLst>
+          </a:blip>
+          <a:stretch>
+            <a:fillRect/>
+          </a:stretch>
+        </p:blipFill>
+        <p:spPr>
+          <a:xfrm>
+            <a:off x="4726995" y="3342855"/>
+            <a:ext cx="3864556" cy="2940686"/>
+          </a:xfrm>
+          <a:prstGeom prst="rect">
+            <a:avLst/>
+          </a:prstGeom>
+        </p:spPr>
+      </p:pic>
+      <p:sp>
+        <p:nvSpPr>
+          <p:cNvPr id="5" name="Content Placeholder 2"/>
+          <p:cNvSpPr txBox="1">
+            <a:spLocks/>
+          </p:cNvSpPr>
+          <p:nvPr/>
+        </p:nvSpPr>
+        <p:spPr>
+          <a:xfrm>
+            <a:off x="476078" y="3231573"/>
+            <a:ext cx="4019157" cy="4424311"/>
+          </a:xfrm>
+          <a:prstGeom prst="rect">
+            <a:avLst/>
+          </a:prstGeom>
+        </p:spPr>
+        <p:txBody>
+          <a:bodyPr vert="horz" lIns="91440" tIns="45720" rIns="91440" bIns="45720" rtlCol="0">
+            <a:normAutofit/>
+          </a:bodyPr>
+          <a:lstStyle>
+            <a:lvl1pPr marL="349250" indent="-349250" algn="l" defTabSz="914400" rtl="0" eaLnBrk="1" latinLnBrk="0" hangingPunct="1">
+              <a:spcBef>
+                <a:spcPts val="2000"/>
+              </a:spcBef>
+              <a:buClr>
+                <a:schemeClr val="accent1">
+                  <a:lumMod val="60000"/>
+                  <a:lumOff val="40000"/>
+                </a:schemeClr>
+              </a:buClr>
+              <a:buSzPct val="110000"/>
+              <a:buFont typeface="Wingdings 2" pitchFamily="18" charset="2"/>
+              <a:buChar char=""/>
+              <a:defRPr sz="2400" kern="1200">
+                <a:solidFill>
+                  <a:schemeClr val="tx1">
+                    <a:lumMod val="65000"/>
+                    <a:lumOff val="35000"/>
+                  </a:schemeClr>
+                </a:solidFill>
+                <a:latin typeface="+mn-lt"/>
+                <a:ea typeface="+mn-ea"/>
+                <a:cs typeface="+mn-cs"/>
+              </a:defRPr>
+            </a:lvl1pPr>
+            <a:lvl2pPr marL="685800" indent="-336550" algn="l" defTabSz="914400" rtl="0" eaLnBrk="1" latinLnBrk="0" hangingPunct="1">
+              <a:spcBef>
+                <a:spcPts val="600"/>
+              </a:spcBef>
+              <a:buClr>
+                <a:schemeClr val="accent1">
+                  <a:lumMod val="75000"/>
+                </a:schemeClr>
+              </a:buClr>
+              <a:buSzPct val="110000"/>
+              <a:buFont typeface="Wingdings 2" pitchFamily="18" charset="2"/>
+              <a:buChar char=""/>
+              <a:defRPr sz="2200" kern="1200">
+                <a:solidFill>
+                  <a:schemeClr val="tx1">
+                    <a:lumMod val="65000"/>
+                    <a:lumOff val="35000"/>
+                  </a:schemeClr>
+                </a:solidFill>
+                <a:latin typeface="+mn-lt"/>
+                <a:ea typeface="+mn-ea"/>
+                <a:cs typeface="+mn-cs"/>
+              </a:defRPr>
+            </a:lvl2pPr>
+            <a:lvl3pPr marL="968375" indent="-282575" algn="l" defTabSz="914400" rtl="0" eaLnBrk="1" latinLnBrk="0" hangingPunct="1">
+              <a:spcBef>
+                <a:spcPts val="600"/>
+              </a:spcBef>
+              <a:buClr>
+                <a:schemeClr val="accent1">
+                  <a:lumMod val="60000"/>
+                  <a:lumOff val="40000"/>
+                </a:schemeClr>
+              </a:buClr>
+              <a:buSzPct val="110000"/>
+              <a:buFont typeface="Wingdings 2" pitchFamily="18" charset="2"/>
+              <a:buChar char=""/>
+              <a:defRPr sz="2000" kern="1200">
+                <a:solidFill>
+                  <a:schemeClr val="tx1">
+                    <a:lumMod val="65000"/>
+                    <a:lumOff val="35000"/>
+                  </a:schemeClr>
+                </a:solidFill>
+                <a:latin typeface="+mn-lt"/>
+                <a:ea typeface="+mn-ea"/>
+                <a:cs typeface="+mn-cs"/>
+              </a:defRPr>
+            </a:lvl3pPr>
+            <a:lvl4pPr marL="1263650" indent="-295275" algn="l" defTabSz="914400" rtl="0" eaLnBrk="1" latinLnBrk="0" hangingPunct="1">
+              <a:spcBef>
+                <a:spcPts val="600"/>
+              </a:spcBef>
+              <a:buClr>
+                <a:schemeClr val="accent1">
+                  <a:lumMod val="75000"/>
+                </a:schemeClr>
+              </a:buClr>
+              <a:buSzPct val="110000"/>
+              <a:buFont typeface="Wingdings 2" pitchFamily="18" charset="2"/>
+              <a:buChar char=""/>
+              <a:defRPr sz="1800" kern="1200">
+                <a:solidFill>
+                  <a:schemeClr val="tx1">
+                    <a:lumMod val="65000"/>
+                    <a:lumOff val="35000"/>
+                  </a:schemeClr>
+                </a:solidFill>
+                <a:latin typeface="+mn-lt"/>
+                <a:ea typeface="+mn-ea"/>
+                <a:cs typeface="+mn-cs"/>
+              </a:defRPr>
+            </a:lvl4pPr>
+            <a:lvl5pPr marL="1546225" indent="-282575" algn="l" defTabSz="914400" rtl="0" eaLnBrk="1" latinLnBrk="0" hangingPunct="1">
+              <a:spcBef>
+                <a:spcPts val="600"/>
+              </a:spcBef>
+              <a:buClr>
+                <a:schemeClr val="accent1">
+                  <a:lumMod val="60000"/>
+                  <a:lumOff val="40000"/>
+                </a:schemeClr>
+              </a:buClr>
+              <a:buSzPct val="110000"/>
+              <a:buFont typeface="Wingdings 2" pitchFamily="18" charset="2"/>
+              <a:buChar char=""/>
+              <a:defRPr sz="1800" kern="1200">
+                <a:solidFill>
+                  <a:schemeClr val="tx1">
+                    <a:lumMod val="65000"/>
+                    <a:lumOff val="35000"/>
+                  </a:schemeClr>
+                </a:solidFill>
+                <a:latin typeface="+mn-lt"/>
+                <a:ea typeface="+mn-ea"/>
+                <a:cs typeface="+mn-cs"/>
+              </a:defRPr>
+            </a:lvl5pPr>
+            <a:lvl6pPr marL="1828800" indent="-282575" algn="l" defTabSz="914400" rtl="0" eaLnBrk="1" latinLnBrk="0" hangingPunct="1">
+              <a:spcBef>
+                <a:spcPct val="20000"/>
+              </a:spcBef>
+              <a:buClr>
+                <a:schemeClr val="accent2"/>
+              </a:buClr>
+              <a:buSzPct val="110000"/>
+              <a:buFont typeface="Wingdings 2" pitchFamily="18" charset="2"/>
+              <a:buChar char=""/>
+              <a:defRPr lang="en-US" sz="1800" kern="1200" dirty="0" smtClean="0">
+                <a:solidFill>
+                  <a:schemeClr val="tx1">
+                    <a:lumMod val="65000"/>
+                    <a:lumOff val="35000"/>
+                  </a:schemeClr>
+                </a:solidFill>
+                <a:latin typeface="+mn-lt"/>
+                <a:ea typeface="+mn-ea"/>
+                <a:cs typeface="+mn-cs"/>
+              </a:defRPr>
+            </a:lvl6pPr>
+            <a:lvl7pPr marL="2117725" indent="-282575" algn="l" defTabSz="914400" rtl="0" eaLnBrk="1" latinLnBrk="0" hangingPunct="1">
+              <a:spcBef>
+                <a:spcPct val="20000"/>
+              </a:spcBef>
+              <a:buClr>
+                <a:schemeClr val="accent1">
+                  <a:lumMod val="60000"/>
+                  <a:lumOff val="40000"/>
+                </a:schemeClr>
+              </a:buClr>
+              <a:buSzPct val="110000"/>
+              <a:buFont typeface="Wingdings 2" pitchFamily="18" charset="2"/>
+              <a:buChar char=""/>
+              <a:defRPr lang="en-US" sz="1800" kern="1200" dirty="0" smtClean="0">
+                <a:solidFill>
+                  <a:schemeClr val="tx1">
+                    <a:lumMod val="65000"/>
+                    <a:lumOff val="35000"/>
+                  </a:schemeClr>
+                </a:solidFill>
+                <a:latin typeface="+mn-lt"/>
+                <a:ea typeface="+mn-ea"/>
+                <a:cs typeface="+mn-cs"/>
+              </a:defRPr>
+            </a:lvl7pPr>
+            <a:lvl8pPr marL="2398713" indent="-282575" algn="l" defTabSz="914400" rtl="0" eaLnBrk="1" latinLnBrk="0" hangingPunct="1">
+              <a:spcBef>
+                <a:spcPct val="20000"/>
+              </a:spcBef>
+              <a:buClr>
+                <a:schemeClr val="accent2"/>
+              </a:buClr>
+              <a:buSzPct val="110000"/>
+              <a:buFont typeface="Wingdings 2" pitchFamily="18" charset="2"/>
+              <a:buChar char=""/>
+              <a:defRPr lang="en-US" sz="1800" kern="1200" dirty="0" smtClean="0">
+                <a:solidFill>
+                  <a:schemeClr val="tx1">
+                    <a:lumMod val="65000"/>
+                    <a:lumOff val="35000"/>
+                  </a:schemeClr>
+                </a:solidFill>
+                <a:latin typeface="+mn-lt"/>
+                <a:ea typeface="+mn-ea"/>
+                <a:cs typeface="+mn-cs"/>
+              </a:defRPr>
+            </a:lvl8pPr>
+            <a:lvl9pPr marL="2689225" indent="-282575" algn="l" defTabSz="914400" rtl="0" eaLnBrk="1" latinLnBrk="0" hangingPunct="1">
+              <a:spcBef>
+                <a:spcPct val="20000"/>
+              </a:spcBef>
+              <a:buClr>
+                <a:schemeClr val="accent1">
+                  <a:lumMod val="60000"/>
+                  <a:lumOff val="40000"/>
+                </a:schemeClr>
+              </a:buClr>
+              <a:buSzPct val="110000"/>
+              <a:buFont typeface="Wingdings 2" pitchFamily="18" charset="2"/>
+              <a:buChar char=""/>
+              <a:defRPr lang="en-US" sz="1800" kern="1200" dirty="0">
+                <a:solidFill>
+                  <a:schemeClr val="tx1">
+                    <a:lumMod val="65000"/>
+                    <a:lumOff val="35000"/>
+                  </a:schemeClr>
+                </a:solidFill>
+                <a:latin typeface="+mn-lt"/>
+                <a:ea typeface="+mn-ea"/>
+                <a:cs typeface="+mn-cs"/>
+              </a:defRPr>
+            </a:lvl9pPr>
+          </a:lstStyle>
+          <a:p>
+            <a:r>
+              <a:rPr lang="en-US" dirty="0" smtClean="0"/>
+              <a:t>Use a multipurpose tool to quickly gather a wide range of information about the traﬃc.</a:t>
+            </a:r>
+            <a:endParaRPr lang="en-US" dirty="0"/>
+          </a:p>
+        </p:txBody>
+      </p:sp>
+    </p:spTree>
+    <p:extLst>
+      <p:ext uri="{BB962C8B-B14F-4D97-AF65-F5344CB8AC3E}">
+        <p14:creationId xmlns:p14="http://schemas.microsoft.com/office/powerpoint/2010/main" val="3752807739"/>
       </p:ext>
     </p:extLst>
   </p:cSld>
